--- a/設計的奇幻世界.pptx
+++ b/設計的奇幻世界.pptx
@@ -13,8 +13,9 @@
     <p:sldId id="265" r:id="rId7"/>
     <p:sldId id="260" r:id="rId8"/>
     <p:sldId id="262" r:id="rId9"/>
-    <p:sldId id="264" r:id="rId10"/>
-    <p:sldId id="261" r:id="rId11"/>
+    <p:sldId id="266" r:id="rId10"/>
+    <p:sldId id="264" r:id="rId11"/>
+    <p:sldId id="261" r:id="rId12"/>
   </p:sldIdLst>
   <p:sldSz cx="12192000" cy="6858000"/>
   <p:notesSz cx="6858000" cy="9144000"/>
@@ -113,6 +114,11 @@
       </a:defRPr>
     </a:lvl9pPr>
   </p:defaultTextStyle>
+  <p:extLst>
+    <p:ext uri="{EFAFB233-063F-42B5-8137-9DF3F51BA10A}">
+      <p15:sldGuideLst xmlns:p15="http://schemas.microsoft.com/office/powerpoint/2012/main"/>
+    </p:ext>
+  </p:extLst>
 </p:presentation>
 </file>
 
@@ -315,7 +321,7 @@
           <a:p>
             <a:fld id="{1CFC5842-D3C0-4599-BDA8-6BC4A22498D1}" type="datetimeFigureOut">
               <a:rPr lang="zh-TW" altLang="en-US" smtClean="0"/>
-              <a:t>2024/3/10</a:t>
+              <a:t>2024/3/13</a:t>
             </a:fld>
             <a:endParaRPr lang="zh-TW" altLang="en-US"/>
           </a:p>
@@ -513,7 +519,7 @@
           <a:p>
             <a:fld id="{1CFC5842-D3C0-4599-BDA8-6BC4A22498D1}" type="datetimeFigureOut">
               <a:rPr lang="zh-TW" altLang="en-US" smtClean="0"/>
-              <a:t>2024/3/10</a:t>
+              <a:t>2024/3/13</a:t>
             </a:fld>
             <a:endParaRPr lang="zh-TW" altLang="en-US"/>
           </a:p>
@@ -721,7 +727,7 @@
           <a:p>
             <a:fld id="{1CFC5842-D3C0-4599-BDA8-6BC4A22498D1}" type="datetimeFigureOut">
               <a:rPr lang="zh-TW" altLang="en-US" smtClean="0"/>
-              <a:t>2024/3/10</a:t>
+              <a:t>2024/3/13</a:t>
             </a:fld>
             <a:endParaRPr lang="zh-TW" altLang="en-US"/>
           </a:p>
@@ -919,7 +925,7 @@
           <a:p>
             <a:fld id="{1CFC5842-D3C0-4599-BDA8-6BC4A22498D1}" type="datetimeFigureOut">
               <a:rPr lang="zh-TW" altLang="en-US" smtClean="0"/>
-              <a:t>2024/3/10</a:t>
+              <a:t>2024/3/13</a:t>
             </a:fld>
             <a:endParaRPr lang="zh-TW" altLang="en-US"/>
           </a:p>
@@ -1194,7 +1200,7 @@
           <a:p>
             <a:fld id="{1CFC5842-D3C0-4599-BDA8-6BC4A22498D1}" type="datetimeFigureOut">
               <a:rPr lang="zh-TW" altLang="en-US" smtClean="0"/>
-              <a:t>2024/3/10</a:t>
+              <a:t>2024/3/13</a:t>
             </a:fld>
             <a:endParaRPr lang="zh-TW" altLang="en-US"/>
           </a:p>
@@ -1459,7 +1465,7 @@
           <a:p>
             <a:fld id="{1CFC5842-D3C0-4599-BDA8-6BC4A22498D1}" type="datetimeFigureOut">
               <a:rPr lang="zh-TW" altLang="en-US" smtClean="0"/>
-              <a:t>2024/3/10</a:t>
+              <a:t>2024/3/13</a:t>
             </a:fld>
             <a:endParaRPr lang="zh-TW" altLang="en-US"/>
           </a:p>
@@ -1871,7 +1877,7 @@
           <a:p>
             <a:fld id="{1CFC5842-D3C0-4599-BDA8-6BC4A22498D1}" type="datetimeFigureOut">
               <a:rPr lang="zh-TW" altLang="en-US" smtClean="0"/>
-              <a:t>2024/3/10</a:t>
+              <a:t>2024/3/13</a:t>
             </a:fld>
             <a:endParaRPr lang="zh-TW" altLang="en-US"/>
           </a:p>
@@ -2012,7 +2018,7 @@
           <a:p>
             <a:fld id="{1CFC5842-D3C0-4599-BDA8-6BC4A22498D1}" type="datetimeFigureOut">
               <a:rPr lang="zh-TW" altLang="en-US" smtClean="0"/>
-              <a:t>2024/3/10</a:t>
+              <a:t>2024/3/13</a:t>
             </a:fld>
             <a:endParaRPr lang="zh-TW" altLang="en-US"/>
           </a:p>
@@ -2125,7 +2131,7 @@
           <a:p>
             <a:fld id="{1CFC5842-D3C0-4599-BDA8-6BC4A22498D1}" type="datetimeFigureOut">
               <a:rPr lang="zh-TW" altLang="en-US" smtClean="0"/>
-              <a:t>2024/3/10</a:t>
+              <a:t>2024/3/13</a:t>
             </a:fld>
             <a:endParaRPr lang="zh-TW" altLang="en-US"/>
           </a:p>
@@ -2436,7 +2442,7 @@
           <a:p>
             <a:fld id="{1CFC5842-D3C0-4599-BDA8-6BC4A22498D1}" type="datetimeFigureOut">
               <a:rPr lang="zh-TW" altLang="en-US" smtClean="0"/>
-              <a:t>2024/3/10</a:t>
+              <a:t>2024/3/13</a:t>
             </a:fld>
             <a:endParaRPr lang="zh-TW" altLang="en-US"/>
           </a:p>
@@ -2724,7 +2730,7 @@
           <a:p>
             <a:fld id="{1CFC5842-D3C0-4599-BDA8-6BC4A22498D1}" type="datetimeFigureOut">
               <a:rPr lang="zh-TW" altLang="en-US" smtClean="0"/>
-              <a:t>2024/3/10</a:t>
+              <a:t>2024/3/13</a:t>
             </a:fld>
             <a:endParaRPr lang="zh-TW" altLang="en-US"/>
           </a:p>
@@ -2965,7 +2971,7 @@
           <a:p>
             <a:fld id="{1CFC5842-D3C0-4599-BDA8-6BC4A22498D1}" type="datetimeFigureOut">
               <a:rPr lang="zh-TW" altLang="en-US" smtClean="0"/>
-              <a:t>2024/3/10</a:t>
+              <a:t>2024/3/13</a:t>
             </a:fld>
             <a:endParaRPr lang="zh-TW" altLang="en-US"/>
           </a:p>
@@ -3461,6 +3467,249 @@
           <p:cNvPr id="3" name="內容版面配置區 2">
             <a:extLst>
               <a:ext uri="{FF2B5EF4-FFF2-40B4-BE49-F238E27FC236}">
+                <a16:creationId xmlns:a16="http://schemas.microsoft.com/office/drawing/2014/main" id="{58494643-22BC-473C-9025-21E92B25BD4A}"/>
+              </a:ext>
+            </a:extLst>
+          </p:cNvPr>
+          <p:cNvSpPr>
+            <a:spLocks noGrp="1"/>
+          </p:cNvSpPr>
+          <p:nvPr>
+            <p:ph idx="1"/>
+          </p:nvPr>
+        </p:nvSpPr>
+        <p:spPr>
+          <a:xfrm>
+            <a:off x="838200" y="289788"/>
+            <a:ext cx="10515600" cy="4351338"/>
+          </a:xfrm>
+        </p:spPr>
+        <p:txBody>
+          <a:bodyPr/>
+          <a:lstStyle/>
+          <a:p>
+            <a:pPr marL="0" indent="0">
+              <a:buNone/>
+            </a:pPr>
+            <a:r>
+              <a:rPr lang="en-US" altLang="zh-TW" dirty="0">
+                <a:solidFill>
+                  <a:srgbClr val="002060"/>
+                </a:solidFill>
+              </a:rPr>
+              <a:t>3.</a:t>
+            </a:r>
+            <a:r>
+              <a:rPr lang="zh-TW" altLang="en-US" dirty="0">
+                <a:solidFill>
+                  <a:srgbClr val="002060"/>
+                </a:solidFill>
+              </a:rPr>
+              <a:t>主程式</a:t>
+            </a:r>
+            <a:r>
+              <a:rPr lang="en-US" altLang="zh-TW" dirty="0">
+                <a:solidFill>
+                  <a:srgbClr val="002060"/>
+                </a:solidFill>
+              </a:rPr>
+              <a:t>:</a:t>
+            </a:r>
+          </a:p>
+          <a:p>
+            <a:r>
+              <a:rPr lang="zh-TW" altLang="en-US" dirty="0">
+                <a:solidFill>
+                  <a:srgbClr val="002060"/>
+                </a:solidFill>
+              </a:rPr>
+              <a:t>使用</a:t>
+            </a:r>
+            <a:r>
+              <a:rPr lang="en-US" altLang="zh-TW" dirty="0">
+                <a:solidFill>
+                  <a:srgbClr val="002060"/>
+                </a:solidFill>
+              </a:rPr>
+              <a:t>while True:</a:t>
+            </a:r>
+            <a:r>
+              <a:rPr lang="zh-TW" altLang="en-US" dirty="0">
+                <a:solidFill>
+                  <a:srgbClr val="002060"/>
+                </a:solidFill>
+              </a:rPr>
+              <a:t>循環，讓遊戲能夠反覆進行，直到玩家選擇退出</a:t>
+            </a:r>
+            <a:r>
+              <a:rPr lang="zh-TW" altLang="en-US" b="0" i="0" dirty="0">
+                <a:solidFill>
+                  <a:srgbClr val="002060"/>
+                </a:solidFill>
+                <a:effectLst/>
+                <a:latin typeface="Söhne"/>
+              </a:rPr>
+              <a:t>。</a:t>
+            </a:r>
+            <a:endParaRPr lang="en-US" altLang="zh-TW" b="0" i="0" dirty="0">
+              <a:solidFill>
+                <a:srgbClr val="002060"/>
+              </a:solidFill>
+              <a:effectLst/>
+              <a:latin typeface="Söhne"/>
+            </a:endParaRPr>
+          </a:p>
+          <a:p>
+            <a:r>
+              <a:rPr lang="zh-TW" altLang="en-US" dirty="0">
+                <a:solidFill>
+                  <a:srgbClr val="002060"/>
+                </a:solidFill>
+              </a:rPr>
+              <a:t>在每一輪遊戲中，先呼叫</a:t>
+            </a:r>
+            <a:r>
+              <a:rPr lang="en-US" altLang="zh-TW" dirty="0">
+                <a:solidFill>
+                  <a:srgbClr val="002060"/>
+                </a:solidFill>
+              </a:rPr>
+              <a:t>intro()</a:t>
+            </a:r>
+            <a:r>
+              <a:rPr lang="zh-TW" altLang="en-US" dirty="0">
+                <a:solidFill>
+                  <a:srgbClr val="002060"/>
+                </a:solidFill>
+              </a:rPr>
+              <a:t>函數顯示遊戲介紹，然後呼叫</a:t>
+            </a:r>
+            <a:r>
+              <a:rPr lang="en-US" altLang="zh-TW" dirty="0" err="1">
+                <a:solidFill>
+                  <a:srgbClr val="002060"/>
+                </a:solidFill>
+              </a:rPr>
+              <a:t>forest_scene</a:t>
+            </a:r>
+            <a:r>
+              <a:rPr lang="en-US" altLang="zh-TW" dirty="0">
+                <a:solidFill>
+                  <a:srgbClr val="002060"/>
+                </a:solidFill>
+              </a:rPr>
+              <a:t>()</a:t>
+            </a:r>
+            <a:r>
+              <a:rPr lang="zh-TW" altLang="en-US" dirty="0">
+                <a:solidFill>
+                  <a:srgbClr val="002060"/>
+                </a:solidFill>
+              </a:rPr>
+              <a:t>函數展示森林場景</a:t>
+            </a:r>
+            <a:r>
+              <a:rPr lang="zh-TW" altLang="en-US" b="0" i="0" dirty="0">
+                <a:solidFill>
+                  <a:srgbClr val="002060"/>
+                </a:solidFill>
+                <a:effectLst/>
+                <a:latin typeface="Söhne"/>
+              </a:rPr>
+              <a:t>。</a:t>
+            </a:r>
+            <a:endParaRPr lang="en-US" altLang="zh-TW" b="0" i="0" dirty="0">
+              <a:solidFill>
+                <a:srgbClr val="002060"/>
+              </a:solidFill>
+              <a:effectLst/>
+              <a:latin typeface="Söhne"/>
+            </a:endParaRPr>
+          </a:p>
+          <a:p>
+            <a:r>
+              <a:rPr lang="zh-TW" altLang="en-US" b="0" i="0" dirty="0">
+                <a:solidFill>
+                  <a:srgbClr val="002060"/>
+                </a:solidFill>
+                <a:effectLst/>
+                <a:latin typeface="Söhne"/>
+              </a:rPr>
+              <a:t>最後詢問玩家是否想再次玩遊戲，根據其回答決定是否結束遊戲。</a:t>
+            </a:r>
+            <a:endParaRPr lang="en-US" altLang="zh-TW" dirty="0">
+              <a:solidFill>
+                <a:srgbClr val="002060"/>
+              </a:solidFill>
+            </a:endParaRPr>
+          </a:p>
+        </p:txBody>
+      </p:sp>
+      <p:pic>
+        <p:nvPicPr>
+          <p:cNvPr id="7" name="圖片 6">
+            <a:extLst>
+              <a:ext uri="{FF2B5EF4-FFF2-40B4-BE49-F238E27FC236}">
+                <a16:creationId xmlns:a16="http://schemas.microsoft.com/office/drawing/2014/main" id="{1BF5DD14-0560-4E4C-BE1F-F260F398C867}"/>
+              </a:ext>
+            </a:extLst>
+          </p:cNvPr>
+          <p:cNvPicPr>
+            <a:picLocks noChangeAspect="1"/>
+          </p:cNvPicPr>
+          <p:nvPr/>
+        </p:nvPicPr>
+        <p:blipFill>
+          <a:blip r:embed="rId2"/>
+          <a:stretch>
+            <a:fillRect/>
+          </a:stretch>
+        </p:blipFill>
+        <p:spPr>
+          <a:xfrm>
+            <a:off x="4918229" y="3096780"/>
+            <a:ext cx="6643366" cy="3471431"/>
+          </a:xfrm>
+          <a:prstGeom prst="rect">
+            <a:avLst/>
+          </a:prstGeom>
+        </p:spPr>
+      </p:pic>
+    </p:spTree>
+    <p:extLst>
+      <p:ext uri="{BB962C8B-B14F-4D97-AF65-F5344CB8AC3E}">
+        <p14:creationId xmlns:p14="http://schemas.microsoft.com/office/powerpoint/2010/main" val="3370698663"/>
+      </p:ext>
+    </p:extLst>
+  </p:cSld>
+  <p:clrMapOvr>
+    <a:masterClrMapping/>
+  </p:clrMapOvr>
+</p:sld>
+</file>
+
+<file path=ppt/slides/slide11.xml><?xml version="1.0" encoding="utf-8"?>
+<p:sld xmlns:a="http://schemas.openxmlformats.org/drawingml/2006/main" xmlns:r="http://schemas.openxmlformats.org/officeDocument/2006/relationships" xmlns:p="http://schemas.openxmlformats.org/presentationml/2006/main">
+  <p:cSld>
+    <p:spTree>
+      <p:nvGrpSpPr>
+        <p:cNvPr id="1" name=""/>
+        <p:cNvGrpSpPr/>
+        <p:nvPr/>
+      </p:nvGrpSpPr>
+      <p:grpSpPr>
+        <a:xfrm>
+          <a:off x="0" y="0"/>
+          <a:ext cx="0" cy="0"/>
+          <a:chOff x="0" y="0"/>
+          <a:chExt cx="0" cy="0"/>
+        </a:xfrm>
+      </p:grpSpPr>
+      <p:sp>
+        <p:nvSpPr>
+          <p:cNvPr id="3" name="內容版面配置區 2">
+            <a:extLst>
+              <a:ext uri="{FF2B5EF4-FFF2-40B4-BE49-F238E27FC236}">
                 <a16:creationId xmlns:a16="http://schemas.microsoft.com/office/drawing/2014/main" id="{E1D35C6F-1D16-4C9C-B9BB-9CA2350170C8}"/>
               </a:ext>
             </a:extLst>
@@ -5471,8 +5720,8 @@
         </p:nvSpPr>
         <p:spPr>
           <a:xfrm>
-            <a:off x="719092" y="426128"/>
-            <a:ext cx="11472908" cy="5750835"/>
+            <a:off x="648070" y="399495"/>
+            <a:ext cx="10884023" cy="5750835"/>
           </a:xfrm>
         </p:spPr>
         <p:txBody>
@@ -5858,19 +6107,59 @@
                 <a:effectLst/>
                 <a:latin typeface="Consolas" panose="020B0609020204030204" pitchFamily="49" charset="0"/>
               </a:rPr>
-              <a:t>    </a:t>
-            </a:r>
-          </a:p>
-          <a:p>
-            <a:r>
-              <a:rPr lang="en-US" altLang="zh-TW" sz="2500" b="0" dirty="0">
-                <a:solidFill>
-                  <a:srgbClr val="CCCCCC"/>
-                </a:solidFill>
-                <a:effectLst/>
-                <a:latin typeface="Consolas" panose="020B0609020204030204" pitchFamily="49" charset="0"/>
-              </a:rPr>
-              <a:t>    </a:t>
+              <a:t> </a:t>
+            </a:r>
+            <a:r>
+              <a:rPr lang="en-US" altLang="zh-TW" sz="2500" b="0" dirty="0">
+                <a:solidFill>
+                  <a:srgbClr val="C586C0"/>
+                </a:solidFill>
+                <a:effectLst/>
+                <a:latin typeface="Consolas" panose="020B0609020204030204" pitchFamily="49" charset="0"/>
+              </a:rPr>
+              <a:t>while</a:t>
+            </a:r>
+            <a:r>
+              <a:rPr lang="en-US" altLang="zh-TW" sz="2500" b="0" dirty="0">
+                <a:solidFill>
+                  <a:srgbClr val="CCCCCC"/>
+                </a:solidFill>
+                <a:effectLst/>
+                <a:latin typeface="Consolas" panose="020B0609020204030204" pitchFamily="49" charset="0"/>
+              </a:rPr>
+              <a:t> </a:t>
+            </a:r>
+            <a:r>
+              <a:rPr lang="en-US" altLang="zh-TW" sz="2500" b="0" dirty="0">
+                <a:solidFill>
+                  <a:srgbClr val="569CD6"/>
+                </a:solidFill>
+                <a:effectLst/>
+                <a:latin typeface="Consolas" panose="020B0609020204030204" pitchFamily="49" charset="0"/>
+              </a:rPr>
+              <a:t>True</a:t>
+            </a:r>
+            <a:r>
+              <a:rPr lang="en-US" altLang="zh-TW" sz="2500" b="0" dirty="0">
+                <a:solidFill>
+                  <a:srgbClr val="CCCCCC"/>
+                </a:solidFill>
+                <a:effectLst/>
+                <a:latin typeface="Consolas" panose="020B0609020204030204" pitchFamily="49" charset="0"/>
+              </a:rPr>
+              <a:t>:</a:t>
+            </a:r>
+          </a:p>
+          <a:p>
+            <a:r>
+              <a:rPr lang="en-US" altLang="zh-TW" sz="2500" b="0" dirty="0">
+                <a:solidFill>
+                  <a:srgbClr val="CCCCCC"/>
+                </a:solidFill>
+                <a:effectLst/>
+                <a:latin typeface="Consolas" panose="020B0609020204030204" pitchFamily="49" charset="0"/>
+              </a:rPr>
+              <a:t>        </a:t>
             </a:r>
             <a:r>
               <a:rPr lang="en-US" altLang="zh-TW" sz="2500" b="0" dirty="0">
@@ -5952,7 +6241,7 @@
                 <a:effectLst/>
                 <a:latin typeface="Consolas" panose="020B0609020204030204" pitchFamily="49" charset="0"/>
               </a:rPr>
-              <a:t>    </a:t>
+              <a:t>        </a:t>
             </a:r>
             <a:r>
               <a:rPr lang="en-US" altLang="zh-TW" sz="2500" b="0" dirty="0">
@@ -6024,7 +6313,7 @@
                 <a:effectLst/>
                 <a:latin typeface="Consolas" panose="020B0609020204030204" pitchFamily="49" charset="0"/>
               </a:rPr>
-              <a:t>    </a:t>
+              <a:t>        </a:t>
             </a:r>
             <a:r>
               <a:rPr lang="en-US" altLang="zh-TW" sz="2500" b="0" dirty="0">
@@ -6085,6 +6374,142 @@
                 <a:latin typeface="Consolas" panose="020B0609020204030204" pitchFamily="49" charset="0"/>
               </a:rPr>
               <a:t>)</a:t>
+            </a:r>
+          </a:p>
+          <a:p>
+            <a:r>
+              <a:rPr lang="en-US" altLang="zh-TW" sz="2500" b="0" dirty="0">
+                <a:solidFill>
+                  <a:srgbClr val="CCCCCC"/>
+                </a:solidFill>
+                <a:effectLst/>
+                <a:latin typeface="Consolas" panose="020B0609020204030204" pitchFamily="49" charset="0"/>
+              </a:rPr>
+              <a:t>        </a:t>
+            </a:r>
+          </a:p>
+          <a:p>
+            <a:r>
+              <a:rPr lang="en-US" altLang="zh-TW" sz="2500" b="0" dirty="0">
+                <a:solidFill>
+                  <a:srgbClr val="CCCCCC"/>
+                </a:solidFill>
+                <a:effectLst/>
+                <a:latin typeface="Consolas" panose="020B0609020204030204" pitchFamily="49" charset="0"/>
+              </a:rPr>
+              <a:t>        </a:t>
+            </a:r>
+            <a:r>
+              <a:rPr lang="en-US" altLang="zh-TW" sz="2500" b="0" dirty="0">
+                <a:solidFill>
+                  <a:srgbClr val="9CDCFE"/>
+                </a:solidFill>
+                <a:effectLst/>
+                <a:latin typeface="Consolas" panose="020B0609020204030204" pitchFamily="49" charset="0"/>
+              </a:rPr>
+              <a:t>choice</a:t>
+            </a:r>
+            <a:r>
+              <a:rPr lang="en-US" altLang="zh-TW" sz="2500" b="0" dirty="0">
+                <a:solidFill>
+                  <a:srgbClr val="CCCCCC"/>
+                </a:solidFill>
+                <a:effectLst/>
+                <a:latin typeface="Consolas" panose="020B0609020204030204" pitchFamily="49" charset="0"/>
+              </a:rPr>
+              <a:t> </a:t>
+            </a:r>
+            <a:r>
+              <a:rPr lang="en-US" altLang="zh-TW" sz="2500" b="0" dirty="0">
+                <a:solidFill>
+                  <a:srgbClr val="D4D4D4"/>
+                </a:solidFill>
+                <a:effectLst/>
+                <a:latin typeface="Consolas" panose="020B0609020204030204" pitchFamily="49" charset="0"/>
+              </a:rPr>
+              <a:t>=</a:t>
+            </a:r>
+            <a:r>
+              <a:rPr lang="en-US" altLang="zh-TW" sz="2500" b="0" dirty="0">
+                <a:solidFill>
+                  <a:srgbClr val="CCCCCC"/>
+                </a:solidFill>
+                <a:effectLst/>
+                <a:latin typeface="Consolas" panose="020B0609020204030204" pitchFamily="49" charset="0"/>
+              </a:rPr>
+              <a:t> </a:t>
+            </a:r>
+            <a:r>
+              <a:rPr lang="en-US" altLang="zh-TW" sz="2500" b="0" dirty="0">
+                <a:solidFill>
+                  <a:srgbClr val="DCDCAA"/>
+                </a:solidFill>
+                <a:effectLst/>
+                <a:latin typeface="Consolas" panose="020B0609020204030204" pitchFamily="49" charset="0"/>
+              </a:rPr>
+              <a:t>input</a:t>
+            </a:r>
+            <a:r>
+              <a:rPr lang="en-US" altLang="zh-TW" sz="2500" b="0" dirty="0">
+                <a:solidFill>
+                  <a:srgbClr val="CCCCCC"/>
+                </a:solidFill>
+                <a:effectLst/>
+                <a:latin typeface="Consolas" panose="020B0609020204030204" pitchFamily="49" charset="0"/>
+              </a:rPr>
+              <a:t>(</a:t>
+            </a:r>
+            <a:r>
+              <a:rPr lang="en-US" altLang="zh-TW" sz="2500" b="0" dirty="0">
+                <a:solidFill>
+                  <a:srgbClr val="CE9178"/>
+                </a:solidFill>
+                <a:effectLst/>
+                <a:latin typeface="Consolas" panose="020B0609020204030204" pitchFamily="49" charset="0"/>
+              </a:rPr>
+              <a:t>"</a:t>
+            </a:r>
+            <a:r>
+              <a:rPr lang="zh-TW" altLang="en-US" sz="2500" b="0" dirty="0">
+                <a:solidFill>
+                  <a:srgbClr val="CE9178"/>
+                </a:solidFill>
+                <a:effectLst/>
+                <a:latin typeface="Consolas" panose="020B0609020204030204" pitchFamily="49" charset="0"/>
+              </a:rPr>
+              <a:t>請輸入選項的編號</a:t>
+            </a:r>
+            <a:r>
+              <a:rPr lang="en-US" altLang="zh-TW" sz="2500" b="0" dirty="0">
+                <a:solidFill>
+                  <a:srgbClr val="CE9178"/>
+                </a:solidFill>
+                <a:effectLst/>
+                <a:latin typeface="Consolas" panose="020B0609020204030204" pitchFamily="49" charset="0"/>
+              </a:rPr>
+              <a:t>: "</a:t>
+            </a:r>
+            <a:r>
+              <a:rPr lang="en-US" altLang="zh-TW" sz="2500" b="0" dirty="0">
+                <a:solidFill>
+                  <a:srgbClr val="CCCCCC"/>
+                </a:solidFill>
+                <a:effectLst/>
+                <a:latin typeface="Consolas" panose="020B0609020204030204" pitchFamily="49" charset="0"/>
+              </a:rPr>
+              <a:t>)</a:t>
+            </a:r>
+          </a:p>
+          <a:p>
+            <a:r>
+              <a:rPr lang="en-US" altLang="zh-TW" sz="2500" b="0" dirty="0">
+                <a:solidFill>
+                  <a:srgbClr val="CCCCCC"/>
+                </a:solidFill>
+                <a:effectLst/>
+                <a:latin typeface="Consolas" panose="020B0609020204030204" pitchFamily="49" charset="0"/>
+              </a:rPr>
+              <a:t>   </a:t>
             </a:r>
           </a:p>
           <a:p>
@@ -6161,20 +6586,62 @@
         </p:nvSpPr>
         <p:spPr>
           <a:xfrm>
-            <a:off x="656948" y="937858"/>
-            <a:ext cx="11535052" cy="4351338"/>
+            <a:off x="701336" y="621437"/>
+            <a:ext cx="10762694" cy="5273335"/>
           </a:xfrm>
         </p:spPr>
         <p:txBody>
           <a:bodyPr>
-            <a:normAutofit fontScale="85000" lnSpcReduction="20000"/>
+            <a:noAutofit/>
           </a:bodyPr>
           <a:lstStyle/>
           <a:p>
             <a:r>
-              <a:rPr lang="en-US" altLang="zh-TW" sz="2800" b="0" dirty="0">
-                <a:solidFill>
-                  <a:srgbClr val="0070C0"/>
+              <a:rPr lang="en-US" altLang="zh-TW" sz="2500" b="0" dirty="0">
+                <a:solidFill>
+                  <a:srgbClr val="CCCCCC"/>
+                </a:solidFill>
+                <a:effectLst/>
+                <a:latin typeface="Consolas" panose="020B0609020204030204" pitchFamily="49" charset="0"/>
+              </a:rPr>
+              <a:t>        </a:t>
+            </a:r>
+          </a:p>
+          <a:p>
+            <a:r>
+              <a:rPr lang="en-US" altLang="zh-TW" sz="2500" b="0" dirty="0">
+                <a:solidFill>
+                  <a:srgbClr val="CCCCCC"/>
+                </a:solidFill>
+                <a:effectLst/>
+                <a:latin typeface="Consolas" panose="020B0609020204030204" pitchFamily="49" charset="0"/>
+              </a:rPr>
+              <a:t>        </a:t>
+            </a:r>
+            <a:r>
+              <a:rPr lang="en-US" altLang="zh-TW" sz="2500" b="0" dirty="0">
+                <a:solidFill>
+                  <a:srgbClr val="C586C0"/>
+                </a:solidFill>
+                <a:effectLst/>
+                <a:latin typeface="Consolas" panose="020B0609020204030204" pitchFamily="49" charset="0"/>
+              </a:rPr>
+              <a:t>if</a:t>
+            </a:r>
+            <a:r>
+              <a:rPr lang="en-US" altLang="zh-TW" sz="2500" b="0" dirty="0">
+                <a:solidFill>
+                  <a:srgbClr val="CCCCCC"/>
+                </a:solidFill>
+                <a:effectLst/>
+                <a:latin typeface="Consolas" panose="020B0609020204030204" pitchFamily="49" charset="0"/>
+              </a:rPr>
+              <a:t> </a:t>
+            </a:r>
+            <a:r>
+              <a:rPr lang="en-US" altLang="zh-TW" sz="2500" b="0" dirty="0">
+                <a:solidFill>
+                  <a:srgbClr val="9CDCFE"/>
                 </a:solidFill>
                 <a:effectLst/>
                 <a:latin typeface="Consolas" panose="020B0609020204030204" pitchFamily="49" charset="0"/>
@@ -6182,7 +6649,7 @@
               <a:t>choice</a:t>
             </a:r>
             <a:r>
-              <a:rPr lang="en-US" altLang="zh-TW" sz="2800" b="0" dirty="0">
+              <a:rPr lang="en-US" altLang="zh-TW" sz="2500" b="0" dirty="0">
                 <a:solidFill>
                   <a:srgbClr val="CCCCCC"/>
                 </a:solidFill>
@@ -6192,17 +6659,17 @@
               <a:t> </a:t>
             </a:r>
             <a:r>
-              <a:rPr lang="en-US" altLang="zh-TW" sz="2800" b="0" dirty="0">
+              <a:rPr lang="en-US" altLang="zh-TW" sz="2500" b="0" dirty="0">
                 <a:solidFill>
                   <a:srgbClr val="D4D4D4"/>
                 </a:solidFill>
                 <a:effectLst/>
                 <a:latin typeface="Consolas" panose="020B0609020204030204" pitchFamily="49" charset="0"/>
               </a:rPr>
-              <a:t>=</a:t>
-            </a:r>
-            <a:r>
-              <a:rPr lang="en-US" altLang="zh-TW" sz="2800" b="0" dirty="0">
+              <a:t>==</a:t>
+            </a:r>
+            <a:r>
+              <a:rPr lang="en-US" altLang="zh-TW" sz="2500" b="0" dirty="0">
                 <a:solidFill>
                   <a:srgbClr val="CCCCCC"/>
                 </a:solidFill>
@@ -6212,17 +6679,49 @@
               <a:t> </a:t>
             </a:r>
             <a:r>
-              <a:rPr lang="en-US" altLang="zh-TW" sz="2800" b="0" dirty="0">
+              <a:rPr lang="en-US" altLang="zh-TW" sz="2500" b="0" dirty="0">
+                <a:solidFill>
+                  <a:srgbClr val="CE9178"/>
+                </a:solidFill>
+                <a:effectLst/>
+                <a:latin typeface="Consolas" panose="020B0609020204030204" pitchFamily="49" charset="0"/>
+              </a:rPr>
+              <a:t>"1"</a:t>
+            </a:r>
+            <a:r>
+              <a:rPr lang="en-US" altLang="zh-TW" sz="2500" b="0" dirty="0">
+                <a:solidFill>
+                  <a:srgbClr val="CCCCCC"/>
+                </a:solidFill>
+                <a:effectLst/>
+                <a:latin typeface="Consolas" panose="020B0609020204030204" pitchFamily="49" charset="0"/>
+              </a:rPr>
+              <a:t>:</a:t>
+            </a:r>
+          </a:p>
+          <a:p>
+            <a:r>
+              <a:rPr lang="en-US" altLang="zh-TW" sz="2500" b="0" dirty="0">
+                <a:solidFill>
+                  <a:srgbClr val="CCCCCC"/>
+                </a:solidFill>
+                <a:effectLst/>
+                <a:latin typeface="Consolas" panose="020B0609020204030204" pitchFamily="49" charset="0"/>
+              </a:rPr>
+              <a:t>            </a:t>
+            </a:r>
+            <a:r>
+              <a:rPr lang="en-US" altLang="zh-TW" sz="2500" b="0" dirty="0">
                 <a:solidFill>
                   <a:srgbClr val="DCDCAA"/>
                 </a:solidFill>
                 <a:effectLst/>
                 <a:latin typeface="Consolas" panose="020B0609020204030204" pitchFamily="49" charset="0"/>
               </a:rPr>
-              <a:t>input</a:t>
-            </a:r>
-            <a:r>
-              <a:rPr lang="en-US" altLang="zh-TW" sz="2800" b="0" dirty="0">
+              <a:t>print</a:t>
+            </a:r>
+            <a:r>
+              <a:rPr lang="en-US" altLang="zh-TW" sz="2500" b="0" dirty="0">
                 <a:solidFill>
                   <a:srgbClr val="CCCCCC"/>
                 </a:solidFill>
@@ -6232,7 +6731,7 @@
               <a:t>(</a:t>
             </a:r>
             <a:r>
-              <a:rPr lang="en-US" altLang="zh-TW" sz="2800" b="0" dirty="0">
+              <a:rPr lang="en-US" altLang="zh-TW" sz="2500" b="0" dirty="0">
                 <a:solidFill>
                   <a:srgbClr val="CE9178"/>
                 </a:solidFill>
@@ -6242,27 +6741,37 @@
               <a:t>"</a:t>
             </a:r>
             <a:r>
-              <a:rPr lang="zh-TW" altLang="en-US" sz="2800" b="0" dirty="0">
+              <a:rPr lang="en-US" altLang="zh-TW" sz="2500" b="0" dirty="0">
+                <a:solidFill>
+                  <a:srgbClr val="D7BA7D"/>
+                </a:solidFill>
+                <a:effectLst/>
+                <a:latin typeface="Consolas" panose="020B0609020204030204" pitchFamily="49" charset="0"/>
+              </a:rPr>
+              <a:t>\n</a:t>
+            </a:r>
+            <a:r>
+              <a:rPr lang="zh-TW" altLang="en-US" sz="2500" b="0" dirty="0">
                 <a:solidFill>
                   <a:srgbClr val="CE9178"/>
                 </a:solidFill>
                 <a:effectLst/>
                 <a:latin typeface="Consolas" panose="020B0609020204030204" pitchFamily="49" charset="0"/>
               </a:rPr>
-              <a:t>請輸入選項的編號</a:t>
-            </a:r>
-            <a:r>
-              <a:rPr lang="en-US" altLang="zh-TW" sz="2800" b="0" dirty="0">
+              <a:t>你選擇探索小徑。</a:t>
+            </a:r>
+            <a:r>
+              <a:rPr lang="en-US" altLang="zh-TW" sz="2500" b="0" dirty="0">
                 <a:solidFill>
                   <a:srgbClr val="CE9178"/>
                 </a:solidFill>
                 <a:effectLst/>
                 <a:latin typeface="Consolas" panose="020B0609020204030204" pitchFamily="49" charset="0"/>
               </a:rPr>
-              <a:t>: "</a:t>
-            </a:r>
-            <a:r>
-              <a:rPr lang="en-US" altLang="zh-TW" sz="2800" b="0" dirty="0">
+              <a:t>"</a:t>
+            </a:r>
+            <a:r>
+              <a:rPr lang="en-US" altLang="zh-TW" sz="2500" b="0" dirty="0">
                 <a:solidFill>
                   <a:srgbClr val="CCCCCC"/>
                 </a:solidFill>
@@ -6274,664 +6783,404 @@
           </a:p>
           <a:p>
             <a:r>
-              <a:rPr lang="en-US" altLang="zh-TW" sz="2800" b="0" dirty="0">
-                <a:solidFill>
-                  <a:srgbClr val="CCCCCC"/>
-                </a:solidFill>
-                <a:effectLst/>
-                <a:latin typeface="Consolas" panose="020B0609020204030204" pitchFamily="49" charset="0"/>
-              </a:rPr>
-              <a:t>    </a:t>
-            </a:r>
-          </a:p>
-          <a:p>
-            <a:r>
-              <a:rPr lang="en-US" altLang="zh-TW" sz="2800" b="0" dirty="0">
-                <a:solidFill>
-                  <a:srgbClr val="CCCCCC"/>
-                </a:solidFill>
-                <a:effectLst/>
-                <a:latin typeface="Consolas" panose="020B0609020204030204" pitchFamily="49" charset="0"/>
-              </a:rPr>
-              <a:t>    </a:t>
-            </a:r>
-            <a:r>
-              <a:rPr lang="en-US" altLang="zh-TW" sz="2800" b="0" dirty="0">
+              <a:rPr lang="en-US" altLang="zh-TW" sz="2500" b="0" dirty="0">
+                <a:solidFill>
+                  <a:srgbClr val="CCCCCC"/>
+                </a:solidFill>
+                <a:effectLst/>
+                <a:latin typeface="Consolas" panose="020B0609020204030204" pitchFamily="49" charset="0"/>
+              </a:rPr>
+              <a:t>            </a:t>
+            </a:r>
+            <a:r>
+              <a:rPr lang="en-US" altLang="zh-TW" sz="2500" b="0" dirty="0" err="1">
+                <a:solidFill>
+                  <a:srgbClr val="4EC9B0"/>
+                </a:solidFill>
+                <a:effectLst/>
+                <a:latin typeface="Consolas" panose="020B0609020204030204" pitchFamily="49" charset="0"/>
+              </a:rPr>
+              <a:t>time</a:t>
+            </a:r>
+            <a:r>
+              <a:rPr lang="en-US" altLang="zh-TW" sz="2500" b="0" dirty="0" err="1">
+                <a:solidFill>
+                  <a:srgbClr val="CCCCCC"/>
+                </a:solidFill>
+                <a:effectLst/>
+                <a:latin typeface="Consolas" panose="020B0609020204030204" pitchFamily="49" charset="0"/>
+              </a:rPr>
+              <a:t>.</a:t>
+            </a:r>
+            <a:r>
+              <a:rPr lang="en-US" altLang="zh-TW" sz="2500" b="0" dirty="0" err="1">
+                <a:solidFill>
+                  <a:srgbClr val="DCDCAA"/>
+                </a:solidFill>
+                <a:effectLst/>
+                <a:latin typeface="Consolas" panose="020B0609020204030204" pitchFamily="49" charset="0"/>
+              </a:rPr>
+              <a:t>sleep</a:t>
+            </a:r>
+            <a:r>
+              <a:rPr lang="en-US" altLang="zh-TW" sz="2500" b="0" dirty="0">
+                <a:solidFill>
+                  <a:srgbClr val="CCCCCC"/>
+                </a:solidFill>
+                <a:effectLst/>
+                <a:latin typeface="Consolas" panose="020B0609020204030204" pitchFamily="49" charset="0"/>
+              </a:rPr>
+              <a:t>(</a:t>
+            </a:r>
+            <a:r>
+              <a:rPr lang="en-US" altLang="zh-TW" sz="2500" b="0" dirty="0">
+                <a:solidFill>
+                  <a:srgbClr val="B5CEA8"/>
+                </a:solidFill>
+                <a:effectLst/>
+                <a:latin typeface="Consolas" panose="020B0609020204030204" pitchFamily="49" charset="0"/>
+              </a:rPr>
+              <a:t>1</a:t>
+            </a:r>
+            <a:r>
+              <a:rPr lang="en-US" altLang="zh-TW" sz="2500" b="0" dirty="0">
+                <a:solidFill>
+                  <a:srgbClr val="CCCCCC"/>
+                </a:solidFill>
+                <a:effectLst/>
+                <a:latin typeface="Consolas" panose="020B0609020204030204" pitchFamily="49" charset="0"/>
+              </a:rPr>
+              <a:t>)</a:t>
+            </a:r>
+          </a:p>
+          <a:p>
+            <a:r>
+              <a:rPr lang="en-US" altLang="zh-TW" sz="2500" b="0" dirty="0">
+                <a:solidFill>
+                  <a:srgbClr val="CCCCCC"/>
+                </a:solidFill>
+                <a:effectLst/>
+                <a:latin typeface="Consolas" panose="020B0609020204030204" pitchFamily="49" charset="0"/>
+              </a:rPr>
+              <a:t>            </a:t>
+            </a:r>
+            <a:r>
+              <a:rPr lang="en-US" altLang="zh-TW" sz="2500" b="0" dirty="0">
+                <a:solidFill>
+                  <a:srgbClr val="DCDCAA"/>
+                </a:solidFill>
+                <a:effectLst/>
+                <a:latin typeface="Consolas" panose="020B0609020204030204" pitchFamily="49" charset="0"/>
+              </a:rPr>
+              <a:t>print</a:t>
+            </a:r>
+            <a:r>
+              <a:rPr lang="en-US" altLang="zh-TW" sz="2500" b="0" dirty="0">
+                <a:solidFill>
+                  <a:srgbClr val="CCCCCC"/>
+                </a:solidFill>
+                <a:effectLst/>
+                <a:latin typeface="Consolas" panose="020B0609020204030204" pitchFamily="49" charset="0"/>
+              </a:rPr>
+              <a:t>(</a:t>
+            </a:r>
+            <a:r>
+              <a:rPr lang="en-US" altLang="zh-TW" sz="2500" b="0" dirty="0">
+                <a:solidFill>
+                  <a:srgbClr val="CE9178"/>
+                </a:solidFill>
+                <a:effectLst/>
+                <a:latin typeface="Consolas" panose="020B0609020204030204" pitchFamily="49" charset="0"/>
+              </a:rPr>
+              <a:t>"</a:t>
+            </a:r>
+            <a:r>
+              <a:rPr lang="zh-TW" altLang="en-US" sz="2500" b="0" dirty="0">
+                <a:solidFill>
+                  <a:srgbClr val="CE9178"/>
+                </a:solidFill>
+                <a:effectLst/>
+                <a:latin typeface="Consolas" panose="020B0609020204030204" pitchFamily="49" charset="0"/>
+              </a:rPr>
+              <a:t>小徑帶領你發現了一個神秘的洞穴。</a:t>
+            </a:r>
+            <a:r>
+              <a:rPr lang="en-US" altLang="zh-TW" sz="2500" b="0" dirty="0">
+                <a:solidFill>
+                  <a:srgbClr val="CE9178"/>
+                </a:solidFill>
+                <a:effectLst/>
+                <a:latin typeface="Consolas" panose="020B0609020204030204" pitchFamily="49" charset="0"/>
+              </a:rPr>
+              <a:t>"</a:t>
+            </a:r>
+            <a:r>
+              <a:rPr lang="en-US" altLang="zh-TW" sz="2500" b="0" dirty="0">
+                <a:solidFill>
+                  <a:srgbClr val="CCCCCC"/>
+                </a:solidFill>
+                <a:effectLst/>
+                <a:latin typeface="Consolas" panose="020B0609020204030204" pitchFamily="49" charset="0"/>
+              </a:rPr>
+              <a:t>)</a:t>
+            </a:r>
+          </a:p>
+          <a:p>
+            <a:r>
+              <a:rPr lang="en-US" altLang="zh-TW" sz="2500" b="0" dirty="0">
+                <a:solidFill>
+                  <a:srgbClr val="CCCCCC"/>
+                </a:solidFill>
+                <a:effectLst/>
+                <a:latin typeface="Consolas" panose="020B0609020204030204" pitchFamily="49" charset="0"/>
+              </a:rPr>
+              <a:t>            </a:t>
+            </a:r>
+            <a:r>
+              <a:rPr lang="en-US" altLang="zh-TW" sz="2500" b="0" dirty="0" err="1">
+                <a:solidFill>
+                  <a:srgbClr val="4EC9B0"/>
+                </a:solidFill>
+                <a:effectLst/>
+                <a:latin typeface="Consolas" panose="020B0609020204030204" pitchFamily="49" charset="0"/>
+              </a:rPr>
+              <a:t>time</a:t>
+            </a:r>
+            <a:r>
+              <a:rPr lang="en-US" altLang="zh-TW" sz="2500" b="0" dirty="0" err="1">
+                <a:solidFill>
+                  <a:srgbClr val="CCCCCC"/>
+                </a:solidFill>
+                <a:effectLst/>
+                <a:latin typeface="Consolas" panose="020B0609020204030204" pitchFamily="49" charset="0"/>
+              </a:rPr>
+              <a:t>.</a:t>
+            </a:r>
+            <a:r>
+              <a:rPr lang="en-US" altLang="zh-TW" sz="2500" b="0" dirty="0" err="1">
+                <a:solidFill>
+                  <a:srgbClr val="DCDCAA"/>
+                </a:solidFill>
+                <a:effectLst/>
+                <a:latin typeface="Consolas" panose="020B0609020204030204" pitchFamily="49" charset="0"/>
+              </a:rPr>
+              <a:t>sleep</a:t>
+            </a:r>
+            <a:r>
+              <a:rPr lang="en-US" altLang="zh-TW" sz="2500" b="0" dirty="0">
+                <a:solidFill>
+                  <a:srgbClr val="CCCCCC"/>
+                </a:solidFill>
+                <a:effectLst/>
+                <a:latin typeface="Consolas" panose="020B0609020204030204" pitchFamily="49" charset="0"/>
+              </a:rPr>
+              <a:t>(</a:t>
+            </a:r>
+            <a:r>
+              <a:rPr lang="en-US" altLang="zh-TW" sz="2500" b="0" dirty="0">
+                <a:solidFill>
+                  <a:srgbClr val="B5CEA8"/>
+                </a:solidFill>
+                <a:effectLst/>
+                <a:latin typeface="Consolas" panose="020B0609020204030204" pitchFamily="49" charset="0"/>
+              </a:rPr>
+              <a:t>1</a:t>
+            </a:r>
+            <a:r>
+              <a:rPr lang="en-US" altLang="zh-TW" sz="2500" b="0" dirty="0">
+                <a:solidFill>
+                  <a:srgbClr val="CCCCCC"/>
+                </a:solidFill>
+                <a:effectLst/>
+                <a:latin typeface="Consolas" panose="020B0609020204030204" pitchFamily="49" charset="0"/>
+              </a:rPr>
+              <a:t>)</a:t>
+            </a:r>
+          </a:p>
+          <a:p>
+            <a:r>
+              <a:rPr lang="en-US" altLang="zh-TW" sz="2500" b="0" dirty="0">
+                <a:solidFill>
+                  <a:srgbClr val="CCCCCC"/>
+                </a:solidFill>
+                <a:effectLst/>
+                <a:latin typeface="Consolas" panose="020B0609020204030204" pitchFamily="49" charset="0"/>
+              </a:rPr>
+              <a:t>            </a:t>
+            </a:r>
+            <a:r>
+              <a:rPr lang="en-US" altLang="zh-TW" sz="2500" b="0" dirty="0">
+                <a:solidFill>
+                  <a:srgbClr val="DCDCAA"/>
+                </a:solidFill>
+                <a:effectLst/>
+                <a:latin typeface="Consolas" panose="020B0609020204030204" pitchFamily="49" charset="0"/>
+              </a:rPr>
+              <a:t>print</a:t>
+            </a:r>
+            <a:r>
+              <a:rPr lang="en-US" altLang="zh-TW" sz="2500" b="0" dirty="0">
+                <a:solidFill>
+                  <a:srgbClr val="CCCCCC"/>
+                </a:solidFill>
+                <a:effectLst/>
+                <a:latin typeface="Consolas" panose="020B0609020204030204" pitchFamily="49" charset="0"/>
+              </a:rPr>
+              <a:t>(</a:t>
+            </a:r>
+            <a:r>
+              <a:rPr lang="en-US" altLang="zh-TW" sz="2500" b="0" dirty="0">
+                <a:solidFill>
+                  <a:srgbClr val="CE9178"/>
+                </a:solidFill>
+                <a:effectLst/>
+                <a:latin typeface="Consolas" panose="020B0609020204030204" pitchFamily="49" charset="0"/>
+              </a:rPr>
+              <a:t>"</a:t>
+            </a:r>
+            <a:r>
+              <a:rPr lang="zh-TW" altLang="en-US" sz="2500" b="0" dirty="0">
+                <a:solidFill>
+                  <a:srgbClr val="CE9178"/>
+                </a:solidFill>
+                <a:effectLst/>
+                <a:latin typeface="Consolas" panose="020B0609020204030204" pitchFamily="49" charset="0"/>
+              </a:rPr>
+              <a:t>你發現了一顆閃閃發光的寶石！</a:t>
+            </a:r>
+            <a:r>
+              <a:rPr lang="en-US" altLang="zh-TW" sz="2500" b="0" dirty="0">
+                <a:solidFill>
+                  <a:srgbClr val="CE9178"/>
+                </a:solidFill>
+                <a:effectLst/>
+                <a:latin typeface="Consolas" panose="020B0609020204030204" pitchFamily="49" charset="0"/>
+              </a:rPr>
+              <a:t>"</a:t>
+            </a:r>
+            <a:r>
+              <a:rPr lang="en-US" altLang="zh-TW" sz="2500" b="0" dirty="0">
+                <a:solidFill>
+                  <a:srgbClr val="CCCCCC"/>
+                </a:solidFill>
+                <a:effectLst/>
+                <a:latin typeface="Consolas" panose="020B0609020204030204" pitchFamily="49" charset="0"/>
+              </a:rPr>
+              <a:t>)</a:t>
+            </a:r>
+          </a:p>
+          <a:p>
+            <a:r>
+              <a:rPr lang="en-US" altLang="zh-TW" sz="2500" b="0" dirty="0">
+                <a:solidFill>
+                  <a:srgbClr val="CCCCCC"/>
+                </a:solidFill>
+                <a:effectLst/>
+                <a:latin typeface="Consolas" panose="020B0609020204030204" pitchFamily="49" charset="0"/>
+              </a:rPr>
+              <a:t>            </a:t>
+            </a:r>
+            <a:r>
+              <a:rPr lang="en-US" altLang="zh-TW" sz="2500" b="0" dirty="0" err="1">
+                <a:solidFill>
+                  <a:srgbClr val="4EC9B0"/>
+                </a:solidFill>
+                <a:effectLst/>
+                <a:latin typeface="Consolas" panose="020B0609020204030204" pitchFamily="49" charset="0"/>
+              </a:rPr>
+              <a:t>time</a:t>
+            </a:r>
+            <a:r>
+              <a:rPr lang="en-US" altLang="zh-TW" sz="2500" b="0" dirty="0" err="1">
+                <a:solidFill>
+                  <a:srgbClr val="CCCCCC"/>
+                </a:solidFill>
+                <a:effectLst/>
+                <a:latin typeface="Consolas" panose="020B0609020204030204" pitchFamily="49" charset="0"/>
+              </a:rPr>
+              <a:t>.</a:t>
+            </a:r>
+            <a:r>
+              <a:rPr lang="en-US" altLang="zh-TW" sz="2500" b="0" dirty="0" err="1">
+                <a:solidFill>
+                  <a:srgbClr val="DCDCAA"/>
+                </a:solidFill>
+                <a:effectLst/>
+                <a:latin typeface="Consolas" panose="020B0609020204030204" pitchFamily="49" charset="0"/>
+              </a:rPr>
+              <a:t>sleep</a:t>
+            </a:r>
+            <a:r>
+              <a:rPr lang="en-US" altLang="zh-TW" sz="2500" b="0" dirty="0">
+                <a:solidFill>
+                  <a:srgbClr val="CCCCCC"/>
+                </a:solidFill>
+                <a:effectLst/>
+                <a:latin typeface="Consolas" panose="020B0609020204030204" pitchFamily="49" charset="0"/>
+              </a:rPr>
+              <a:t>(</a:t>
+            </a:r>
+            <a:r>
+              <a:rPr lang="en-US" altLang="zh-TW" sz="2500" b="0" dirty="0">
+                <a:solidFill>
+                  <a:srgbClr val="B5CEA8"/>
+                </a:solidFill>
+                <a:effectLst/>
+                <a:latin typeface="Consolas" panose="020B0609020204030204" pitchFamily="49" charset="0"/>
+              </a:rPr>
+              <a:t>1</a:t>
+            </a:r>
+            <a:r>
+              <a:rPr lang="en-US" altLang="zh-TW" sz="2500" b="0" dirty="0">
+                <a:solidFill>
+                  <a:srgbClr val="CCCCCC"/>
+                </a:solidFill>
+                <a:effectLst/>
+                <a:latin typeface="Consolas" panose="020B0609020204030204" pitchFamily="49" charset="0"/>
+              </a:rPr>
+              <a:t>)</a:t>
+            </a:r>
+          </a:p>
+          <a:p>
+            <a:r>
+              <a:rPr lang="en-US" altLang="zh-TW" sz="2500" b="0" dirty="0">
+                <a:solidFill>
+                  <a:srgbClr val="CCCCCC"/>
+                </a:solidFill>
+                <a:effectLst/>
+                <a:latin typeface="Consolas" panose="020B0609020204030204" pitchFamily="49" charset="0"/>
+              </a:rPr>
+              <a:t>            </a:t>
+            </a:r>
+            <a:r>
+              <a:rPr lang="en-US" altLang="zh-TW" sz="2500" b="0" dirty="0">
                 <a:solidFill>
                   <a:srgbClr val="C586C0"/>
                 </a:solidFill>
                 <a:effectLst/>
                 <a:latin typeface="Consolas" panose="020B0609020204030204" pitchFamily="49" charset="0"/>
               </a:rPr>
-              <a:t>if</a:t>
-            </a:r>
-            <a:r>
-              <a:rPr lang="en-US" altLang="zh-TW" sz="2800" b="0" dirty="0">
-                <a:solidFill>
-                  <a:srgbClr val="CCCCCC"/>
-                </a:solidFill>
-                <a:effectLst/>
-                <a:latin typeface="Consolas" panose="020B0609020204030204" pitchFamily="49" charset="0"/>
-              </a:rPr>
-              <a:t> </a:t>
-            </a:r>
-            <a:r>
-              <a:rPr lang="en-US" altLang="zh-TW" sz="2800" b="0" dirty="0">
-                <a:solidFill>
-                  <a:srgbClr val="0070C0"/>
-                </a:solidFill>
-                <a:effectLst/>
-                <a:latin typeface="Consolas" panose="020B0609020204030204" pitchFamily="49" charset="0"/>
-              </a:rPr>
-              <a:t>choice</a:t>
-            </a:r>
-            <a:r>
-              <a:rPr lang="en-US" altLang="zh-TW" sz="2800" b="0" dirty="0">
-                <a:solidFill>
-                  <a:srgbClr val="CCCCCC"/>
-                </a:solidFill>
-                <a:effectLst/>
-                <a:latin typeface="Consolas" panose="020B0609020204030204" pitchFamily="49" charset="0"/>
-              </a:rPr>
-              <a:t> </a:t>
-            </a:r>
-            <a:r>
-              <a:rPr lang="en-US" altLang="zh-TW" sz="2800" b="0" dirty="0">
-                <a:solidFill>
-                  <a:srgbClr val="D4D4D4"/>
-                </a:solidFill>
-                <a:effectLst/>
-                <a:latin typeface="Consolas" panose="020B0609020204030204" pitchFamily="49" charset="0"/>
-              </a:rPr>
-              <a:t>==</a:t>
-            </a:r>
-            <a:r>
-              <a:rPr lang="en-US" altLang="zh-TW" sz="2800" b="0" dirty="0">
-                <a:solidFill>
-                  <a:srgbClr val="CCCCCC"/>
-                </a:solidFill>
-                <a:effectLst/>
-                <a:latin typeface="Consolas" panose="020B0609020204030204" pitchFamily="49" charset="0"/>
-              </a:rPr>
-              <a:t> </a:t>
-            </a:r>
-            <a:r>
-              <a:rPr lang="en-US" altLang="zh-TW" sz="2800" b="0" dirty="0">
-                <a:solidFill>
-                  <a:srgbClr val="CE9178"/>
-                </a:solidFill>
-                <a:effectLst/>
-                <a:latin typeface="Consolas" panose="020B0609020204030204" pitchFamily="49" charset="0"/>
-              </a:rPr>
-              <a:t>'1'</a:t>
-            </a:r>
-            <a:r>
-              <a:rPr lang="en-US" altLang="zh-TW" sz="2800" b="0" dirty="0">
-                <a:solidFill>
-                  <a:srgbClr val="CCCCCC"/>
-                </a:solidFill>
-                <a:effectLst/>
-                <a:latin typeface="Consolas" panose="020B0609020204030204" pitchFamily="49" charset="0"/>
-              </a:rPr>
-              <a:t>:</a:t>
-            </a:r>
-          </a:p>
-          <a:p>
-            <a:r>
-              <a:rPr lang="en-US" altLang="zh-TW" sz="2800" b="0" dirty="0">
-                <a:solidFill>
-                  <a:srgbClr val="CCCCCC"/>
-                </a:solidFill>
-                <a:effectLst/>
-                <a:latin typeface="Consolas" panose="020B0609020204030204" pitchFamily="49" charset="0"/>
-              </a:rPr>
-              <a:t>        </a:t>
-            </a:r>
-            <a:r>
-              <a:rPr lang="en-US" altLang="zh-TW" sz="2800" b="0" dirty="0">
-                <a:solidFill>
-                  <a:srgbClr val="DCDCAA"/>
-                </a:solidFill>
-                <a:effectLst/>
-                <a:latin typeface="Consolas" panose="020B0609020204030204" pitchFamily="49" charset="0"/>
-              </a:rPr>
-              <a:t>print</a:t>
-            </a:r>
-            <a:r>
-              <a:rPr lang="en-US" altLang="zh-TW" sz="2800" b="0" dirty="0">
-                <a:solidFill>
-                  <a:srgbClr val="CCCCCC"/>
-                </a:solidFill>
-                <a:effectLst/>
-                <a:latin typeface="Consolas" panose="020B0609020204030204" pitchFamily="49" charset="0"/>
-              </a:rPr>
-              <a:t>(</a:t>
-            </a:r>
-            <a:r>
-              <a:rPr lang="en-US" altLang="zh-TW" sz="2800" b="0" dirty="0">
-                <a:solidFill>
-                  <a:srgbClr val="CE9178"/>
-                </a:solidFill>
-                <a:effectLst/>
-                <a:latin typeface="Consolas" panose="020B0609020204030204" pitchFamily="49" charset="0"/>
-              </a:rPr>
-              <a:t>"</a:t>
-            </a:r>
-            <a:r>
-              <a:rPr lang="en-US" altLang="zh-TW" sz="2800" b="0" dirty="0">
-                <a:solidFill>
-                  <a:srgbClr val="D7BA7D"/>
-                </a:solidFill>
-                <a:effectLst/>
-                <a:latin typeface="Consolas" panose="020B0609020204030204" pitchFamily="49" charset="0"/>
-              </a:rPr>
-              <a:t>\n</a:t>
-            </a:r>
-            <a:r>
-              <a:rPr lang="zh-TW" altLang="en-US" sz="2800" b="0" dirty="0">
-                <a:solidFill>
-                  <a:srgbClr val="CE9178"/>
-                </a:solidFill>
-                <a:effectLst/>
-                <a:latin typeface="Consolas" panose="020B0609020204030204" pitchFamily="49" charset="0"/>
-              </a:rPr>
-              <a:t>你選擇探索小徑。</a:t>
-            </a:r>
-            <a:r>
-              <a:rPr lang="en-US" altLang="zh-TW" sz="2800" b="0" dirty="0">
-                <a:solidFill>
-                  <a:srgbClr val="CE9178"/>
-                </a:solidFill>
-                <a:effectLst/>
-                <a:latin typeface="Consolas" panose="020B0609020204030204" pitchFamily="49" charset="0"/>
-              </a:rPr>
-              <a:t>"</a:t>
-            </a:r>
-            <a:r>
-              <a:rPr lang="en-US" altLang="zh-TW" sz="2800" b="0" dirty="0">
-                <a:solidFill>
-                  <a:srgbClr val="CCCCCC"/>
-                </a:solidFill>
-                <a:effectLst/>
-                <a:latin typeface="Consolas" panose="020B0609020204030204" pitchFamily="49" charset="0"/>
-              </a:rPr>
-              <a:t>)</a:t>
-            </a:r>
-          </a:p>
-          <a:p>
-            <a:r>
-              <a:rPr lang="en-US" altLang="zh-TW" sz="2800" b="0" dirty="0">
-                <a:solidFill>
-                  <a:srgbClr val="CCCCCC"/>
-                </a:solidFill>
-                <a:effectLst/>
-                <a:latin typeface="Consolas" panose="020B0609020204030204" pitchFamily="49" charset="0"/>
-              </a:rPr>
-              <a:t>        </a:t>
-            </a:r>
-            <a:r>
-              <a:rPr lang="en-US" altLang="zh-TW" sz="2800" b="0" dirty="0" err="1">
-                <a:solidFill>
-                  <a:srgbClr val="4EC9B0"/>
-                </a:solidFill>
-                <a:effectLst/>
-                <a:latin typeface="Consolas" panose="020B0609020204030204" pitchFamily="49" charset="0"/>
-              </a:rPr>
-              <a:t>time</a:t>
-            </a:r>
-            <a:r>
-              <a:rPr lang="en-US" altLang="zh-TW" sz="2800" b="0" dirty="0" err="1">
-                <a:solidFill>
-                  <a:srgbClr val="CCCCCC"/>
-                </a:solidFill>
-                <a:effectLst/>
-                <a:latin typeface="Consolas" panose="020B0609020204030204" pitchFamily="49" charset="0"/>
-              </a:rPr>
-              <a:t>.</a:t>
-            </a:r>
-            <a:r>
-              <a:rPr lang="en-US" altLang="zh-TW" sz="2800" b="0" dirty="0" err="1">
-                <a:solidFill>
-                  <a:srgbClr val="DCDCAA"/>
-                </a:solidFill>
-                <a:effectLst/>
-                <a:latin typeface="Consolas" panose="020B0609020204030204" pitchFamily="49" charset="0"/>
-              </a:rPr>
-              <a:t>sleep</a:t>
-            </a:r>
-            <a:r>
-              <a:rPr lang="en-US" altLang="zh-TW" sz="2800" b="0" dirty="0">
-                <a:solidFill>
-                  <a:srgbClr val="CCCCCC"/>
-                </a:solidFill>
-                <a:effectLst/>
-                <a:latin typeface="Consolas" panose="020B0609020204030204" pitchFamily="49" charset="0"/>
-              </a:rPr>
-              <a:t>(</a:t>
-            </a:r>
-            <a:r>
-              <a:rPr lang="en-US" altLang="zh-TW" sz="2800" b="0" dirty="0">
-                <a:solidFill>
-                  <a:srgbClr val="B5CEA8"/>
-                </a:solidFill>
-                <a:effectLst/>
-                <a:latin typeface="Consolas" panose="020B0609020204030204" pitchFamily="49" charset="0"/>
-              </a:rPr>
-              <a:t>1</a:t>
-            </a:r>
-            <a:r>
-              <a:rPr lang="en-US" altLang="zh-TW" sz="2800" b="0" dirty="0">
-                <a:solidFill>
-                  <a:srgbClr val="CCCCCC"/>
-                </a:solidFill>
-                <a:effectLst/>
-                <a:latin typeface="Consolas" panose="020B0609020204030204" pitchFamily="49" charset="0"/>
-              </a:rPr>
-              <a:t>)</a:t>
-            </a:r>
-          </a:p>
-          <a:p>
-            <a:r>
-              <a:rPr lang="en-US" altLang="zh-TW" sz="2800" b="0" dirty="0">
-                <a:solidFill>
-                  <a:srgbClr val="CCCCCC"/>
-                </a:solidFill>
-                <a:effectLst/>
-                <a:latin typeface="Consolas" panose="020B0609020204030204" pitchFamily="49" charset="0"/>
-              </a:rPr>
-              <a:t>        </a:t>
-            </a:r>
-            <a:r>
-              <a:rPr lang="en-US" altLang="zh-TW" sz="2800" b="0" dirty="0">
-                <a:solidFill>
-                  <a:srgbClr val="DCDCAA"/>
-                </a:solidFill>
-                <a:effectLst/>
-                <a:latin typeface="Consolas" panose="020B0609020204030204" pitchFamily="49" charset="0"/>
-              </a:rPr>
-              <a:t>print</a:t>
-            </a:r>
-            <a:r>
-              <a:rPr lang="en-US" altLang="zh-TW" sz="2800" b="0" dirty="0">
-                <a:solidFill>
-                  <a:srgbClr val="CCCCCC"/>
-                </a:solidFill>
-                <a:effectLst/>
-                <a:latin typeface="Consolas" panose="020B0609020204030204" pitchFamily="49" charset="0"/>
-              </a:rPr>
-              <a:t>(</a:t>
-            </a:r>
-            <a:r>
-              <a:rPr lang="en-US" altLang="zh-TW" sz="2800" b="0" dirty="0">
-                <a:solidFill>
-                  <a:srgbClr val="CE9178"/>
-                </a:solidFill>
-                <a:effectLst/>
-                <a:latin typeface="Consolas" panose="020B0609020204030204" pitchFamily="49" charset="0"/>
-              </a:rPr>
-              <a:t>"</a:t>
-            </a:r>
-            <a:r>
-              <a:rPr lang="zh-TW" altLang="en-US" sz="2800" b="0" dirty="0">
-                <a:solidFill>
-                  <a:srgbClr val="CE9178"/>
-                </a:solidFill>
-                <a:effectLst/>
-                <a:latin typeface="Consolas" panose="020B0609020204030204" pitchFamily="49" charset="0"/>
-              </a:rPr>
-              <a:t>小徑帶領你發現了一個神秘的洞穴。</a:t>
-            </a:r>
-            <a:r>
-              <a:rPr lang="en-US" altLang="zh-TW" sz="2800" b="0" dirty="0">
-                <a:solidFill>
-                  <a:srgbClr val="CE9178"/>
-                </a:solidFill>
-                <a:effectLst/>
-                <a:latin typeface="Consolas" panose="020B0609020204030204" pitchFamily="49" charset="0"/>
-              </a:rPr>
-              <a:t>"</a:t>
-            </a:r>
-            <a:r>
-              <a:rPr lang="en-US" altLang="zh-TW" sz="2800" b="0" dirty="0">
-                <a:solidFill>
-                  <a:srgbClr val="CCCCCC"/>
-                </a:solidFill>
-                <a:effectLst/>
-                <a:latin typeface="Consolas" panose="020B0609020204030204" pitchFamily="49" charset="0"/>
-              </a:rPr>
-              <a:t>)</a:t>
-            </a:r>
-          </a:p>
-          <a:p>
-            <a:r>
-              <a:rPr lang="en-US" altLang="zh-TW" sz="2800" b="0" dirty="0">
-                <a:solidFill>
-                  <a:srgbClr val="CCCCCC"/>
-                </a:solidFill>
-                <a:effectLst/>
-                <a:latin typeface="Consolas" panose="020B0609020204030204" pitchFamily="49" charset="0"/>
-              </a:rPr>
-              <a:t>        </a:t>
-            </a:r>
-            <a:r>
-              <a:rPr lang="en-US" altLang="zh-TW" sz="2800" b="0" dirty="0">
-                <a:solidFill>
-                  <a:srgbClr val="DCDCAA"/>
-                </a:solidFill>
-                <a:effectLst/>
-                <a:latin typeface="Consolas" panose="020B0609020204030204" pitchFamily="49" charset="0"/>
-              </a:rPr>
-              <a:t>print</a:t>
-            </a:r>
-            <a:r>
-              <a:rPr lang="en-US" altLang="zh-TW" sz="2800" b="0" dirty="0">
-                <a:solidFill>
-                  <a:srgbClr val="CCCCCC"/>
-                </a:solidFill>
-                <a:effectLst/>
-                <a:latin typeface="Consolas" panose="020B0609020204030204" pitchFamily="49" charset="0"/>
-              </a:rPr>
-              <a:t>(</a:t>
-            </a:r>
-            <a:r>
-              <a:rPr lang="en-US" altLang="zh-TW" sz="2800" b="0" dirty="0">
-                <a:solidFill>
-                  <a:srgbClr val="CE9178"/>
-                </a:solidFill>
-                <a:effectLst/>
-                <a:latin typeface="Consolas" panose="020B0609020204030204" pitchFamily="49" charset="0"/>
-              </a:rPr>
-              <a:t>"</a:t>
-            </a:r>
-            <a:r>
-              <a:rPr lang="zh-TW" altLang="en-US" sz="2800" b="0" dirty="0">
-                <a:solidFill>
-                  <a:srgbClr val="CE9178"/>
-                </a:solidFill>
-                <a:effectLst/>
-                <a:latin typeface="Consolas" panose="020B0609020204030204" pitchFamily="49" charset="0"/>
-              </a:rPr>
-              <a:t>你發現了一顆閃閃發光的寶石！</a:t>
-            </a:r>
-            <a:r>
-              <a:rPr lang="en-US" altLang="zh-TW" sz="2800" b="0" dirty="0">
-                <a:solidFill>
-                  <a:srgbClr val="CE9178"/>
-                </a:solidFill>
-                <a:effectLst/>
-                <a:latin typeface="Consolas" panose="020B0609020204030204" pitchFamily="49" charset="0"/>
-              </a:rPr>
-              <a:t>"</a:t>
-            </a:r>
-            <a:r>
-              <a:rPr lang="en-US" altLang="zh-TW" sz="2800" b="0" dirty="0">
-                <a:solidFill>
-                  <a:srgbClr val="CCCCCC"/>
-                </a:solidFill>
-                <a:effectLst/>
-                <a:latin typeface="Consolas" panose="020B0609020204030204" pitchFamily="49" charset="0"/>
-              </a:rPr>
-              <a:t>)</a:t>
-            </a:r>
-          </a:p>
-          <a:p>
-            <a:r>
-              <a:rPr lang="en-US" altLang="zh-TW" sz="2800" b="0" dirty="0">
-                <a:solidFill>
-                  <a:srgbClr val="CCCCCC"/>
-                </a:solidFill>
-                <a:effectLst/>
-                <a:latin typeface="Consolas" panose="020B0609020204030204" pitchFamily="49" charset="0"/>
-              </a:rPr>
-              <a:t>    </a:t>
-            </a:r>
-            <a:r>
-              <a:rPr lang="en-US" altLang="zh-TW" sz="2800" b="0" dirty="0">
-                <a:solidFill>
-                  <a:srgbClr val="C586C0"/>
-                </a:solidFill>
-                <a:effectLst/>
-                <a:latin typeface="Consolas" panose="020B0609020204030204" pitchFamily="49" charset="0"/>
-              </a:rPr>
-              <a:t>else</a:t>
-            </a:r>
-            <a:r>
-              <a:rPr lang="en-US" altLang="zh-TW" sz="2800" b="0" dirty="0">
-                <a:solidFill>
-                  <a:srgbClr val="CCCCCC"/>
-                </a:solidFill>
-                <a:effectLst/>
-                <a:latin typeface="Consolas" panose="020B0609020204030204" pitchFamily="49" charset="0"/>
-              </a:rPr>
-              <a:t>:</a:t>
-            </a:r>
-          </a:p>
-          <a:p>
-            <a:r>
-              <a:rPr lang="en-US" altLang="zh-TW" sz="2800" b="0" dirty="0">
-                <a:solidFill>
-                  <a:srgbClr val="CCCCCC"/>
-                </a:solidFill>
-                <a:effectLst/>
-                <a:latin typeface="Consolas" panose="020B0609020204030204" pitchFamily="49" charset="0"/>
-              </a:rPr>
-              <a:t>        </a:t>
-            </a:r>
-            <a:r>
-              <a:rPr lang="en-US" altLang="zh-TW" sz="2800" b="0" dirty="0">
-                <a:solidFill>
-                  <a:srgbClr val="DCDCAA"/>
-                </a:solidFill>
-                <a:effectLst/>
-                <a:latin typeface="Consolas" panose="020B0609020204030204" pitchFamily="49" charset="0"/>
-              </a:rPr>
-              <a:t>print</a:t>
-            </a:r>
-            <a:r>
-              <a:rPr lang="en-US" altLang="zh-TW" sz="2800" b="0" dirty="0">
-                <a:solidFill>
-                  <a:srgbClr val="CCCCCC"/>
-                </a:solidFill>
-                <a:effectLst/>
-                <a:latin typeface="Consolas" panose="020B0609020204030204" pitchFamily="49" charset="0"/>
-              </a:rPr>
-              <a:t>(</a:t>
-            </a:r>
-            <a:r>
-              <a:rPr lang="en-US" altLang="zh-TW" sz="2800" b="0" dirty="0">
-                <a:solidFill>
-                  <a:srgbClr val="CE9178"/>
-                </a:solidFill>
-                <a:effectLst/>
-                <a:latin typeface="Consolas" panose="020B0609020204030204" pitchFamily="49" charset="0"/>
-              </a:rPr>
-              <a:t>"</a:t>
-            </a:r>
-            <a:r>
-              <a:rPr lang="en-US" altLang="zh-TW" sz="2800" b="0" dirty="0">
-                <a:solidFill>
-                  <a:srgbClr val="D7BA7D"/>
-                </a:solidFill>
-                <a:effectLst/>
-                <a:latin typeface="Consolas" panose="020B0609020204030204" pitchFamily="49" charset="0"/>
-              </a:rPr>
-              <a:t>\n</a:t>
-            </a:r>
-            <a:r>
-              <a:rPr lang="zh-TW" altLang="en-US" sz="2800" b="0" dirty="0">
-                <a:solidFill>
-                  <a:srgbClr val="CE9178"/>
-                </a:solidFill>
-                <a:effectLst/>
-                <a:latin typeface="Consolas" panose="020B0609020204030204" pitchFamily="49" charset="0"/>
-              </a:rPr>
-              <a:t>你選擇穿越古老的橋。</a:t>
-            </a:r>
-            <a:r>
-              <a:rPr lang="en-US" altLang="zh-TW" sz="2800" b="0" dirty="0">
-                <a:solidFill>
-                  <a:srgbClr val="CE9178"/>
-                </a:solidFill>
-                <a:effectLst/>
-                <a:latin typeface="Consolas" panose="020B0609020204030204" pitchFamily="49" charset="0"/>
-              </a:rPr>
-              <a:t>"</a:t>
-            </a:r>
-            <a:r>
-              <a:rPr lang="en-US" altLang="zh-TW" sz="2800" b="0" dirty="0">
-                <a:solidFill>
-                  <a:srgbClr val="CCCCCC"/>
-                </a:solidFill>
-                <a:effectLst/>
-                <a:latin typeface="Consolas" panose="020B0609020204030204" pitchFamily="49" charset="0"/>
-              </a:rPr>
-              <a:t>)</a:t>
-            </a:r>
-          </a:p>
-          <a:p>
-            <a:r>
-              <a:rPr lang="en-US" altLang="zh-TW" sz="2800" b="0" dirty="0">
-                <a:solidFill>
-                  <a:srgbClr val="CCCCCC"/>
-                </a:solidFill>
-                <a:effectLst/>
-                <a:latin typeface="Consolas" panose="020B0609020204030204" pitchFamily="49" charset="0"/>
-              </a:rPr>
-              <a:t>        </a:t>
-            </a:r>
-            <a:r>
-              <a:rPr lang="en-US" altLang="zh-TW" sz="2800" b="0" dirty="0" err="1">
-                <a:solidFill>
-                  <a:srgbClr val="4EC9B0"/>
-                </a:solidFill>
-                <a:effectLst/>
-                <a:latin typeface="Consolas" panose="020B0609020204030204" pitchFamily="49" charset="0"/>
-              </a:rPr>
-              <a:t>time</a:t>
-            </a:r>
-            <a:r>
-              <a:rPr lang="en-US" altLang="zh-TW" sz="2800" b="0" dirty="0" err="1">
-                <a:solidFill>
-                  <a:srgbClr val="CCCCCC"/>
-                </a:solidFill>
-                <a:effectLst/>
-                <a:latin typeface="Consolas" panose="020B0609020204030204" pitchFamily="49" charset="0"/>
-              </a:rPr>
-              <a:t>.</a:t>
-            </a:r>
-            <a:r>
-              <a:rPr lang="en-US" altLang="zh-TW" sz="2800" b="0" dirty="0" err="1">
-                <a:solidFill>
-                  <a:srgbClr val="DCDCAA"/>
-                </a:solidFill>
-                <a:effectLst/>
-                <a:latin typeface="Consolas" panose="020B0609020204030204" pitchFamily="49" charset="0"/>
-              </a:rPr>
-              <a:t>sleep</a:t>
-            </a:r>
-            <a:r>
-              <a:rPr lang="en-US" altLang="zh-TW" sz="2800" b="0" dirty="0">
-                <a:solidFill>
-                  <a:srgbClr val="CCCCCC"/>
-                </a:solidFill>
-                <a:effectLst/>
-                <a:latin typeface="Consolas" panose="020B0609020204030204" pitchFamily="49" charset="0"/>
-              </a:rPr>
-              <a:t>(</a:t>
-            </a:r>
-            <a:r>
-              <a:rPr lang="en-US" altLang="zh-TW" sz="2800" b="0" dirty="0">
-                <a:solidFill>
-                  <a:srgbClr val="B5CEA8"/>
-                </a:solidFill>
-                <a:effectLst/>
-                <a:latin typeface="Consolas" panose="020B0609020204030204" pitchFamily="49" charset="0"/>
-              </a:rPr>
-              <a:t>1</a:t>
-            </a:r>
-            <a:r>
-              <a:rPr lang="en-US" altLang="zh-TW" sz="2800" b="0" dirty="0">
-                <a:solidFill>
-                  <a:srgbClr val="CCCCCC"/>
-                </a:solidFill>
-                <a:effectLst/>
-                <a:latin typeface="Consolas" panose="020B0609020204030204" pitchFamily="49" charset="0"/>
-              </a:rPr>
-              <a:t>)</a:t>
-            </a:r>
-          </a:p>
-          <a:p>
-            <a:r>
-              <a:rPr lang="en-US" altLang="zh-TW" sz="2800" b="0" dirty="0">
-                <a:solidFill>
-                  <a:srgbClr val="CCCCCC"/>
-                </a:solidFill>
-                <a:effectLst/>
-                <a:latin typeface="Consolas" panose="020B0609020204030204" pitchFamily="49" charset="0"/>
-              </a:rPr>
-              <a:t>        </a:t>
-            </a:r>
-            <a:r>
-              <a:rPr lang="en-US" altLang="zh-TW" sz="2800" b="0" dirty="0">
-                <a:solidFill>
-                  <a:srgbClr val="DCDCAA"/>
-                </a:solidFill>
-                <a:effectLst/>
-                <a:latin typeface="Consolas" panose="020B0609020204030204" pitchFamily="49" charset="0"/>
-              </a:rPr>
-              <a:t>print</a:t>
-            </a:r>
-            <a:r>
-              <a:rPr lang="en-US" altLang="zh-TW" sz="2800" b="0" dirty="0">
-                <a:solidFill>
-                  <a:srgbClr val="CCCCCC"/>
-                </a:solidFill>
-                <a:effectLst/>
-                <a:latin typeface="Consolas" panose="020B0609020204030204" pitchFamily="49" charset="0"/>
-              </a:rPr>
-              <a:t>(</a:t>
-            </a:r>
-            <a:r>
-              <a:rPr lang="en-US" altLang="zh-TW" sz="2800" b="0" dirty="0">
-                <a:solidFill>
-                  <a:srgbClr val="CE9178"/>
-                </a:solidFill>
-                <a:effectLst/>
-                <a:latin typeface="Consolas" panose="020B0609020204030204" pitchFamily="49" charset="0"/>
-              </a:rPr>
-              <a:t>"</a:t>
-            </a:r>
-            <a:r>
-              <a:rPr lang="zh-TW" altLang="en-US" sz="2800" b="0" dirty="0">
-                <a:solidFill>
-                  <a:srgbClr val="CE9178"/>
-                </a:solidFill>
-                <a:effectLst/>
-                <a:latin typeface="Consolas" panose="020B0609020204030204" pitchFamily="49" charset="0"/>
-              </a:rPr>
-              <a:t>橋下有一條河流，你成功渡過。</a:t>
-            </a:r>
-            <a:r>
-              <a:rPr lang="en-US" altLang="zh-TW" sz="2800" b="0" dirty="0">
-                <a:solidFill>
-                  <a:srgbClr val="CE9178"/>
-                </a:solidFill>
-                <a:effectLst/>
-                <a:latin typeface="Consolas" panose="020B0609020204030204" pitchFamily="49" charset="0"/>
-              </a:rPr>
-              <a:t>"</a:t>
-            </a:r>
-            <a:r>
-              <a:rPr lang="en-US" altLang="zh-TW" sz="2800" b="0" dirty="0">
-                <a:solidFill>
-                  <a:srgbClr val="CCCCCC"/>
-                </a:solidFill>
-                <a:effectLst/>
-                <a:latin typeface="Consolas" panose="020B0609020204030204" pitchFamily="49" charset="0"/>
-              </a:rPr>
-              <a:t>)</a:t>
-            </a:r>
-            <a:endParaRPr lang="zh-TW" altLang="en-US" dirty="0"/>
+              <a:t>break</a:t>
+            </a:r>
+            <a:endParaRPr lang="en-US" altLang="zh-TW" sz="2500" b="0" dirty="0">
+              <a:solidFill>
+                <a:srgbClr val="CCCCCC"/>
+              </a:solidFill>
+              <a:effectLst/>
+              <a:latin typeface="Consolas" panose="020B0609020204030204" pitchFamily="49" charset="0"/>
+            </a:endParaRPr>
+          </a:p>
+          <a:p>
+            <a:r>
+              <a:rPr lang="en-US" altLang="zh-TW" sz="2500" b="0" dirty="0">
+                <a:solidFill>
+                  <a:srgbClr val="CCCCCC"/>
+                </a:solidFill>
+                <a:effectLst/>
+                <a:latin typeface="Consolas" panose="020B0609020204030204" pitchFamily="49" charset="0"/>
+              </a:rPr>
+              <a:t>       </a:t>
+            </a:r>
           </a:p>
         </p:txBody>
       </p:sp>
@@ -6970,7 +7219,7 @@
           <p:cNvPr id="3" name="內容版面配置區 2">
             <a:extLst>
               <a:ext uri="{FF2B5EF4-FFF2-40B4-BE49-F238E27FC236}">
-                <a16:creationId xmlns:a16="http://schemas.microsoft.com/office/drawing/2014/main" id="{58494643-22BC-473C-9025-21E92B25BD4A}"/>
+                <a16:creationId xmlns:a16="http://schemas.microsoft.com/office/drawing/2014/main" id="{D6C1DAEE-4408-4802-9DCA-3EF0C5FDB42F}"/>
               </a:ext>
             </a:extLst>
           </p:cNvPr>
@@ -6983,205 +7232,659 @@
         </p:nvSpPr>
         <p:spPr>
           <a:xfrm>
-            <a:off x="838200" y="289788"/>
-            <a:ext cx="10515600" cy="4351338"/>
+            <a:off x="719091" y="754601"/>
+            <a:ext cx="10634709" cy="5069149"/>
           </a:xfrm>
         </p:spPr>
         <p:txBody>
-          <a:bodyPr/>
+          <a:bodyPr>
+            <a:normAutofit/>
+          </a:bodyPr>
           <a:lstStyle/>
           <a:p>
-            <a:pPr marL="0" indent="0">
-              <a:buNone/>
-            </a:pPr>
-            <a:r>
-              <a:rPr lang="en-US" altLang="zh-TW" dirty="0">
-                <a:solidFill>
-                  <a:srgbClr val="002060"/>
-                </a:solidFill>
-              </a:rPr>
-              <a:t>3.</a:t>
-            </a:r>
-            <a:r>
-              <a:rPr lang="zh-TW" altLang="en-US" dirty="0">
-                <a:solidFill>
-                  <a:srgbClr val="002060"/>
-                </a:solidFill>
-              </a:rPr>
-              <a:t>主程式</a:t>
-            </a:r>
-            <a:r>
-              <a:rPr lang="en-US" altLang="zh-TW" dirty="0">
-                <a:solidFill>
-                  <a:srgbClr val="002060"/>
-                </a:solidFill>
+            <a:r>
+              <a:rPr lang="en-US" altLang="zh-TW" sz="2800" b="0" dirty="0" err="1">
+                <a:solidFill>
+                  <a:srgbClr val="C586C0"/>
+                </a:solidFill>
+                <a:effectLst/>
+                <a:latin typeface="Consolas" panose="020B0609020204030204" pitchFamily="49" charset="0"/>
+              </a:rPr>
+              <a:t>elif</a:t>
+            </a:r>
+            <a:r>
+              <a:rPr lang="en-US" altLang="zh-TW" sz="2800" b="0" dirty="0">
+                <a:solidFill>
+                  <a:srgbClr val="CCCCCC"/>
+                </a:solidFill>
+                <a:effectLst/>
+                <a:latin typeface="Consolas" panose="020B0609020204030204" pitchFamily="49" charset="0"/>
+              </a:rPr>
+              <a:t> </a:t>
+            </a:r>
+            <a:r>
+              <a:rPr lang="en-US" altLang="zh-TW" sz="2800" b="0" dirty="0">
+                <a:solidFill>
+                  <a:srgbClr val="9CDCFE"/>
+                </a:solidFill>
+                <a:effectLst/>
+                <a:latin typeface="Consolas" panose="020B0609020204030204" pitchFamily="49" charset="0"/>
+              </a:rPr>
+              <a:t>choice</a:t>
+            </a:r>
+            <a:r>
+              <a:rPr lang="en-US" altLang="zh-TW" sz="2800" b="0" dirty="0">
+                <a:solidFill>
+                  <a:srgbClr val="CCCCCC"/>
+                </a:solidFill>
+                <a:effectLst/>
+                <a:latin typeface="Consolas" panose="020B0609020204030204" pitchFamily="49" charset="0"/>
+              </a:rPr>
+              <a:t> </a:t>
+            </a:r>
+            <a:r>
+              <a:rPr lang="en-US" altLang="zh-TW" sz="2800" b="0" dirty="0">
+                <a:solidFill>
+                  <a:srgbClr val="D4D4D4"/>
+                </a:solidFill>
+                <a:effectLst/>
+                <a:latin typeface="Consolas" panose="020B0609020204030204" pitchFamily="49" charset="0"/>
+              </a:rPr>
+              <a:t>==</a:t>
+            </a:r>
+            <a:r>
+              <a:rPr lang="en-US" altLang="zh-TW" sz="2800" b="0" dirty="0">
+                <a:solidFill>
+                  <a:srgbClr val="CCCCCC"/>
+                </a:solidFill>
+                <a:effectLst/>
+                <a:latin typeface="Consolas" panose="020B0609020204030204" pitchFamily="49" charset="0"/>
+              </a:rPr>
+              <a:t> </a:t>
+            </a:r>
+            <a:r>
+              <a:rPr lang="en-US" altLang="zh-TW" sz="2800" b="0" dirty="0">
+                <a:solidFill>
+                  <a:srgbClr val="CE9178"/>
+                </a:solidFill>
+                <a:effectLst/>
+                <a:latin typeface="Consolas" panose="020B0609020204030204" pitchFamily="49" charset="0"/>
+              </a:rPr>
+              <a:t>"2"</a:t>
+            </a:r>
+            <a:r>
+              <a:rPr lang="en-US" altLang="zh-TW" sz="2800" b="0" dirty="0">
+                <a:solidFill>
+                  <a:srgbClr val="CCCCCC"/>
+                </a:solidFill>
+                <a:effectLst/>
+                <a:latin typeface="Consolas" panose="020B0609020204030204" pitchFamily="49" charset="0"/>
               </a:rPr>
               <a:t>:</a:t>
             </a:r>
           </a:p>
           <a:p>
             <a:r>
-              <a:rPr lang="zh-TW" altLang="en-US" dirty="0">
-                <a:solidFill>
-                  <a:srgbClr val="002060"/>
-                </a:solidFill>
-              </a:rPr>
-              <a:t>使用</a:t>
-            </a:r>
-            <a:r>
-              <a:rPr lang="en-US" altLang="zh-TW" dirty="0">
-                <a:solidFill>
-                  <a:srgbClr val="002060"/>
-                </a:solidFill>
-              </a:rPr>
-              <a:t>while True:</a:t>
-            </a:r>
-            <a:r>
-              <a:rPr lang="zh-TW" altLang="en-US" dirty="0">
-                <a:solidFill>
-                  <a:srgbClr val="002060"/>
-                </a:solidFill>
-              </a:rPr>
-              <a:t>循環，讓遊戲能夠反覆進行，直到玩家選擇退出</a:t>
-            </a:r>
-            <a:r>
-              <a:rPr lang="zh-TW" altLang="en-US" b="0" i="0" dirty="0">
-                <a:solidFill>
-                  <a:srgbClr val="002060"/>
-                </a:solidFill>
-                <a:effectLst/>
-                <a:latin typeface="Söhne"/>
-              </a:rPr>
-              <a:t>。</a:t>
-            </a:r>
-            <a:endParaRPr lang="en-US" altLang="zh-TW" b="0" i="0" dirty="0">
+              <a:rPr lang="en-US" altLang="zh-TW" sz="2800" b="0" dirty="0">
+                <a:solidFill>
+                  <a:srgbClr val="CCCCCC"/>
+                </a:solidFill>
+                <a:effectLst/>
+                <a:latin typeface="Consolas" panose="020B0609020204030204" pitchFamily="49" charset="0"/>
+              </a:rPr>
+              <a:t>            </a:t>
+            </a:r>
+            <a:r>
+              <a:rPr lang="en-US" altLang="zh-TW" sz="2800" b="0" dirty="0">
+                <a:solidFill>
+                  <a:srgbClr val="DCDCAA"/>
+                </a:solidFill>
+                <a:effectLst/>
+                <a:latin typeface="Consolas" panose="020B0609020204030204" pitchFamily="49" charset="0"/>
+              </a:rPr>
+              <a:t>print</a:t>
+            </a:r>
+            <a:r>
+              <a:rPr lang="en-US" altLang="zh-TW" sz="2800" b="0" dirty="0">
+                <a:solidFill>
+                  <a:srgbClr val="CCCCCC"/>
+                </a:solidFill>
+                <a:effectLst/>
+                <a:latin typeface="Consolas" panose="020B0609020204030204" pitchFamily="49" charset="0"/>
+              </a:rPr>
+              <a:t>(</a:t>
+            </a:r>
+            <a:r>
+              <a:rPr lang="en-US" altLang="zh-TW" sz="2800" b="0" dirty="0">
+                <a:solidFill>
+                  <a:srgbClr val="CE9178"/>
+                </a:solidFill>
+                <a:effectLst/>
+                <a:latin typeface="Consolas" panose="020B0609020204030204" pitchFamily="49" charset="0"/>
+              </a:rPr>
+              <a:t>"</a:t>
+            </a:r>
+            <a:r>
+              <a:rPr lang="en-US" altLang="zh-TW" sz="2800" b="0" dirty="0">
+                <a:solidFill>
+                  <a:srgbClr val="D7BA7D"/>
+                </a:solidFill>
+                <a:effectLst/>
+                <a:latin typeface="Consolas" panose="020B0609020204030204" pitchFamily="49" charset="0"/>
+              </a:rPr>
+              <a:t>\n</a:t>
+            </a:r>
+            <a:r>
+              <a:rPr lang="zh-TW" altLang="en-US" sz="2800" b="0" dirty="0">
+                <a:solidFill>
+                  <a:srgbClr val="CE9178"/>
+                </a:solidFill>
+                <a:effectLst/>
+                <a:latin typeface="Consolas" panose="020B0609020204030204" pitchFamily="49" charset="0"/>
+              </a:rPr>
+              <a:t>你選擇穿越古老的橋。</a:t>
+            </a:r>
+            <a:r>
+              <a:rPr lang="en-US" altLang="zh-TW" sz="2800" b="0" dirty="0">
+                <a:solidFill>
+                  <a:srgbClr val="CE9178"/>
+                </a:solidFill>
+                <a:effectLst/>
+                <a:latin typeface="Consolas" panose="020B0609020204030204" pitchFamily="49" charset="0"/>
+              </a:rPr>
+              <a:t>"</a:t>
+            </a:r>
+            <a:r>
+              <a:rPr lang="en-US" altLang="zh-TW" sz="2800" b="0" dirty="0">
+                <a:solidFill>
+                  <a:srgbClr val="CCCCCC"/>
+                </a:solidFill>
+                <a:effectLst/>
+                <a:latin typeface="Consolas" panose="020B0609020204030204" pitchFamily="49" charset="0"/>
+              </a:rPr>
+              <a:t>)</a:t>
+            </a:r>
+          </a:p>
+          <a:p>
+            <a:r>
+              <a:rPr lang="en-US" altLang="zh-TW" sz="2800" b="0" dirty="0">
+                <a:solidFill>
+                  <a:srgbClr val="CCCCCC"/>
+                </a:solidFill>
+                <a:effectLst/>
+                <a:latin typeface="Consolas" panose="020B0609020204030204" pitchFamily="49" charset="0"/>
+              </a:rPr>
+              <a:t>            </a:t>
+            </a:r>
+            <a:r>
+              <a:rPr lang="en-US" altLang="zh-TW" sz="2800" b="0" dirty="0" err="1">
+                <a:solidFill>
+                  <a:srgbClr val="4EC9B0"/>
+                </a:solidFill>
+                <a:effectLst/>
+                <a:latin typeface="Consolas" panose="020B0609020204030204" pitchFamily="49" charset="0"/>
+              </a:rPr>
+              <a:t>time</a:t>
+            </a:r>
+            <a:r>
+              <a:rPr lang="en-US" altLang="zh-TW" sz="2800" b="0" dirty="0" err="1">
+                <a:solidFill>
+                  <a:srgbClr val="CCCCCC"/>
+                </a:solidFill>
+                <a:effectLst/>
+                <a:latin typeface="Consolas" panose="020B0609020204030204" pitchFamily="49" charset="0"/>
+              </a:rPr>
+              <a:t>.</a:t>
+            </a:r>
+            <a:r>
+              <a:rPr lang="en-US" altLang="zh-TW" sz="2800" b="0" dirty="0" err="1">
+                <a:solidFill>
+                  <a:srgbClr val="DCDCAA"/>
+                </a:solidFill>
+                <a:effectLst/>
+                <a:latin typeface="Consolas" panose="020B0609020204030204" pitchFamily="49" charset="0"/>
+              </a:rPr>
+              <a:t>sleep</a:t>
+            </a:r>
+            <a:r>
+              <a:rPr lang="en-US" altLang="zh-TW" sz="2800" b="0" dirty="0">
+                <a:solidFill>
+                  <a:srgbClr val="CCCCCC"/>
+                </a:solidFill>
+                <a:effectLst/>
+                <a:latin typeface="Consolas" panose="020B0609020204030204" pitchFamily="49" charset="0"/>
+              </a:rPr>
+              <a:t>(</a:t>
+            </a:r>
+            <a:r>
+              <a:rPr lang="en-US" altLang="zh-TW" sz="2800" b="0" dirty="0">
+                <a:solidFill>
+                  <a:srgbClr val="B5CEA8"/>
+                </a:solidFill>
+                <a:effectLst/>
+                <a:latin typeface="Consolas" panose="020B0609020204030204" pitchFamily="49" charset="0"/>
+              </a:rPr>
+              <a:t>1</a:t>
+            </a:r>
+            <a:r>
+              <a:rPr lang="en-US" altLang="zh-TW" sz="2800" b="0" dirty="0">
+                <a:solidFill>
+                  <a:srgbClr val="CCCCCC"/>
+                </a:solidFill>
+                <a:effectLst/>
+                <a:latin typeface="Consolas" panose="020B0609020204030204" pitchFamily="49" charset="0"/>
+              </a:rPr>
+              <a:t>)</a:t>
+            </a:r>
+          </a:p>
+          <a:p>
+            <a:r>
+              <a:rPr lang="en-US" altLang="zh-TW" sz="2800" b="0" dirty="0">
+                <a:solidFill>
+                  <a:srgbClr val="CCCCCC"/>
+                </a:solidFill>
+                <a:effectLst/>
+                <a:latin typeface="Consolas" panose="020B0609020204030204" pitchFamily="49" charset="0"/>
+              </a:rPr>
+              <a:t>            </a:t>
+            </a:r>
+            <a:r>
+              <a:rPr lang="en-US" altLang="zh-TW" sz="2800" b="0" dirty="0">
+                <a:solidFill>
+                  <a:srgbClr val="DCDCAA"/>
+                </a:solidFill>
+                <a:effectLst/>
+                <a:latin typeface="Consolas" panose="020B0609020204030204" pitchFamily="49" charset="0"/>
+              </a:rPr>
+              <a:t>print</a:t>
+            </a:r>
+            <a:r>
+              <a:rPr lang="en-US" altLang="zh-TW" sz="2800" b="0" dirty="0">
+                <a:solidFill>
+                  <a:srgbClr val="CCCCCC"/>
+                </a:solidFill>
+                <a:effectLst/>
+                <a:latin typeface="Consolas" panose="020B0609020204030204" pitchFamily="49" charset="0"/>
+              </a:rPr>
+              <a:t>(</a:t>
+            </a:r>
+            <a:r>
+              <a:rPr lang="en-US" altLang="zh-TW" sz="2800" b="0" dirty="0">
+                <a:solidFill>
+                  <a:srgbClr val="CE9178"/>
+                </a:solidFill>
+                <a:effectLst/>
+                <a:latin typeface="Consolas" panose="020B0609020204030204" pitchFamily="49" charset="0"/>
+              </a:rPr>
+              <a:t>"</a:t>
+            </a:r>
+            <a:r>
+              <a:rPr lang="zh-TW" altLang="en-US" sz="2800" b="0" dirty="0">
+                <a:solidFill>
+                  <a:srgbClr val="CE9178"/>
+                </a:solidFill>
+                <a:effectLst/>
+                <a:latin typeface="Consolas" panose="020B0609020204030204" pitchFamily="49" charset="0"/>
+              </a:rPr>
+              <a:t>橋下有一條河流，你成功渡過。</a:t>
+            </a:r>
+            <a:r>
+              <a:rPr lang="en-US" altLang="zh-TW" sz="2800" b="0" dirty="0">
+                <a:solidFill>
+                  <a:srgbClr val="CE9178"/>
+                </a:solidFill>
+                <a:effectLst/>
+                <a:latin typeface="Consolas" panose="020B0609020204030204" pitchFamily="49" charset="0"/>
+              </a:rPr>
+              <a:t>"</a:t>
+            </a:r>
+            <a:r>
+              <a:rPr lang="en-US" altLang="zh-TW" sz="2800" b="0" dirty="0">
+                <a:solidFill>
+                  <a:srgbClr val="CCCCCC"/>
+                </a:solidFill>
+                <a:effectLst/>
+                <a:latin typeface="Consolas" panose="020B0609020204030204" pitchFamily="49" charset="0"/>
+              </a:rPr>
+              <a:t>)</a:t>
+            </a:r>
+          </a:p>
+          <a:p>
+            <a:r>
+              <a:rPr lang="en-US" altLang="zh-TW" sz="2800" b="0" dirty="0">
+                <a:solidFill>
+                  <a:srgbClr val="CCCCCC"/>
+                </a:solidFill>
+                <a:effectLst/>
+                <a:latin typeface="Consolas" panose="020B0609020204030204" pitchFamily="49" charset="0"/>
+              </a:rPr>
+              <a:t>            </a:t>
+            </a:r>
+            <a:r>
+              <a:rPr lang="en-US" altLang="zh-TW" sz="2800" b="0" dirty="0" err="1">
+                <a:solidFill>
+                  <a:srgbClr val="4EC9B0"/>
+                </a:solidFill>
+                <a:effectLst/>
+                <a:latin typeface="Consolas" panose="020B0609020204030204" pitchFamily="49" charset="0"/>
+              </a:rPr>
+              <a:t>time</a:t>
+            </a:r>
+            <a:r>
+              <a:rPr lang="en-US" altLang="zh-TW" sz="2800" b="0" dirty="0" err="1">
+                <a:solidFill>
+                  <a:srgbClr val="CCCCCC"/>
+                </a:solidFill>
+                <a:effectLst/>
+                <a:latin typeface="Consolas" panose="020B0609020204030204" pitchFamily="49" charset="0"/>
+              </a:rPr>
+              <a:t>.</a:t>
+            </a:r>
+            <a:r>
+              <a:rPr lang="en-US" altLang="zh-TW" sz="2800" b="0" dirty="0" err="1">
+                <a:solidFill>
+                  <a:srgbClr val="DCDCAA"/>
+                </a:solidFill>
+                <a:effectLst/>
+                <a:latin typeface="Consolas" panose="020B0609020204030204" pitchFamily="49" charset="0"/>
+              </a:rPr>
+              <a:t>sleep</a:t>
+            </a:r>
+            <a:r>
+              <a:rPr lang="en-US" altLang="zh-TW" sz="2800" b="0" dirty="0">
+                <a:solidFill>
+                  <a:srgbClr val="CCCCCC"/>
+                </a:solidFill>
+                <a:effectLst/>
+                <a:latin typeface="Consolas" panose="020B0609020204030204" pitchFamily="49" charset="0"/>
+              </a:rPr>
+              <a:t>(</a:t>
+            </a:r>
+            <a:r>
+              <a:rPr lang="en-US" altLang="zh-TW" sz="2800" b="0" dirty="0">
+                <a:solidFill>
+                  <a:srgbClr val="B5CEA8"/>
+                </a:solidFill>
+                <a:effectLst/>
+                <a:latin typeface="Consolas" panose="020B0609020204030204" pitchFamily="49" charset="0"/>
+              </a:rPr>
+              <a:t>1</a:t>
+            </a:r>
+            <a:r>
+              <a:rPr lang="en-US" altLang="zh-TW" sz="2800" b="0" dirty="0">
+                <a:solidFill>
+                  <a:srgbClr val="CCCCCC"/>
+                </a:solidFill>
+                <a:effectLst/>
+                <a:latin typeface="Consolas" panose="020B0609020204030204" pitchFamily="49" charset="0"/>
+              </a:rPr>
+              <a:t>)</a:t>
+            </a:r>
+          </a:p>
+          <a:p>
+            <a:r>
+              <a:rPr lang="en-US" altLang="zh-TW" sz="2800" b="0" dirty="0">
+                <a:solidFill>
+                  <a:srgbClr val="CCCCCC"/>
+                </a:solidFill>
+                <a:effectLst/>
+                <a:latin typeface="Consolas" panose="020B0609020204030204" pitchFamily="49" charset="0"/>
+              </a:rPr>
+              <a:t>            </a:t>
+            </a:r>
+            <a:r>
+              <a:rPr lang="en-US" altLang="zh-TW" sz="2800" b="0" dirty="0">
+                <a:solidFill>
+                  <a:srgbClr val="C586C0"/>
+                </a:solidFill>
+                <a:effectLst/>
+                <a:latin typeface="Consolas" panose="020B0609020204030204" pitchFamily="49" charset="0"/>
+              </a:rPr>
+              <a:t>break</a:t>
+            </a:r>
+            <a:endParaRPr lang="en-US" altLang="zh-TW" sz="2800" b="0" dirty="0">
               <a:solidFill>
-                <a:srgbClr val="002060"/>
+                <a:srgbClr val="CCCCCC"/>
               </a:solidFill>
               <a:effectLst/>
-              <a:latin typeface="Söhne"/>
+              <a:latin typeface="Consolas" panose="020B0609020204030204" pitchFamily="49" charset="0"/>
             </a:endParaRPr>
           </a:p>
           <a:p>
             <a:r>
-              <a:rPr lang="zh-TW" altLang="en-US" dirty="0">
-                <a:solidFill>
-                  <a:srgbClr val="002060"/>
-                </a:solidFill>
-              </a:rPr>
-              <a:t>在每一輪遊戲中，先呼叫</a:t>
-            </a:r>
-            <a:r>
-              <a:rPr lang="en-US" altLang="zh-TW" dirty="0">
-                <a:solidFill>
-                  <a:srgbClr val="002060"/>
-                </a:solidFill>
-              </a:rPr>
-              <a:t>intro()</a:t>
-            </a:r>
-            <a:r>
-              <a:rPr lang="zh-TW" altLang="en-US" dirty="0">
-                <a:solidFill>
-                  <a:srgbClr val="002060"/>
-                </a:solidFill>
-              </a:rPr>
-              <a:t>函數顯示遊戲介紹，然後呼叫</a:t>
-            </a:r>
-            <a:r>
-              <a:rPr lang="en-US" altLang="zh-TW" dirty="0" err="1">
-                <a:solidFill>
-                  <a:srgbClr val="002060"/>
-                </a:solidFill>
-              </a:rPr>
-              <a:t>forest_scene</a:t>
-            </a:r>
-            <a:r>
-              <a:rPr lang="en-US" altLang="zh-TW" dirty="0">
-                <a:solidFill>
-                  <a:srgbClr val="002060"/>
-                </a:solidFill>
-              </a:rPr>
-              <a:t>()</a:t>
-            </a:r>
-            <a:r>
-              <a:rPr lang="zh-TW" altLang="en-US" dirty="0">
-                <a:solidFill>
-                  <a:srgbClr val="002060"/>
-                </a:solidFill>
-              </a:rPr>
-              <a:t>函數展示森林場景</a:t>
-            </a:r>
-            <a:r>
-              <a:rPr lang="zh-TW" altLang="en-US" b="0" i="0" dirty="0">
-                <a:solidFill>
-                  <a:srgbClr val="002060"/>
-                </a:solidFill>
-                <a:effectLst/>
-                <a:latin typeface="Söhne"/>
-              </a:rPr>
-              <a:t>。</a:t>
-            </a:r>
-            <a:endParaRPr lang="en-US" altLang="zh-TW" b="0" i="0" dirty="0">
-              <a:solidFill>
-                <a:srgbClr val="002060"/>
-              </a:solidFill>
-              <a:effectLst/>
-              <a:latin typeface="Söhne"/>
-            </a:endParaRPr>
-          </a:p>
-          <a:p>
-            <a:r>
-              <a:rPr lang="zh-TW" altLang="en-US" b="0" i="0" dirty="0">
-                <a:solidFill>
-                  <a:srgbClr val="002060"/>
-                </a:solidFill>
-                <a:effectLst/>
-                <a:latin typeface="Söhne"/>
-              </a:rPr>
-              <a:t>最後詢問玩家是否想再次玩遊戲，根據其回答決定是否結束遊戲。</a:t>
-            </a:r>
-            <a:endParaRPr lang="en-US" altLang="zh-TW" dirty="0">
-              <a:solidFill>
-                <a:srgbClr val="002060"/>
-              </a:solidFill>
-            </a:endParaRPr>
+              <a:rPr lang="en-US" altLang="zh-TW" sz="2800" b="0" dirty="0">
+                <a:solidFill>
+                  <a:srgbClr val="CCCCCC"/>
+                </a:solidFill>
+                <a:effectLst/>
+                <a:latin typeface="Consolas" panose="020B0609020204030204" pitchFamily="49" charset="0"/>
+              </a:rPr>
+              <a:t>        </a:t>
+            </a:r>
+            <a:r>
+              <a:rPr lang="en-US" altLang="zh-TW" sz="2800" b="0" dirty="0">
+                <a:solidFill>
+                  <a:srgbClr val="C586C0"/>
+                </a:solidFill>
+                <a:effectLst/>
+                <a:latin typeface="Consolas" panose="020B0609020204030204" pitchFamily="49" charset="0"/>
+              </a:rPr>
+              <a:t>else</a:t>
+            </a:r>
+            <a:r>
+              <a:rPr lang="en-US" altLang="zh-TW" sz="2800" b="0" dirty="0">
+                <a:solidFill>
+                  <a:srgbClr val="CCCCCC"/>
+                </a:solidFill>
+                <a:effectLst/>
+                <a:latin typeface="Consolas" panose="020B0609020204030204" pitchFamily="49" charset="0"/>
+              </a:rPr>
+              <a:t>:</a:t>
+            </a:r>
+          </a:p>
+          <a:p>
+            <a:r>
+              <a:rPr lang="en-US" altLang="zh-TW" sz="2800" b="0" dirty="0">
+                <a:solidFill>
+                  <a:srgbClr val="CCCCCC"/>
+                </a:solidFill>
+                <a:effectLst/>
+                <a:latin typeface="Consolas" panose="020B0609020204030204" pitchFamily="49" charset="0"/>
+              </a:rPr>
+              <a:t>            </a:t>
+            </a:r>
+            <a:r>
+              <a:rPr lang="en-US" altLang="zh-TW" sz="2800" b="0" dirty="0">
+                <a:solidFill>
+                  <a:srgbClr val="DCDCAA"/>
+                </a:solidFill>
+                <a:effectLst/>
+                <a:latin typeface="Consolas" panose="020B0609020204030204" pitchFamily="49" charset="0"/>
+              </a:rPr>
+              <a:t>print</a:t>
+            </a:r>
+            <a:r>
+              <a:rPr lang="en-US" altLang="zh-TW" sz="2800" b="0" dirty="0">
+                <a:solidFill>
+                  <a:srgbClr val="CCCCCC"/>
+                </a:solidFill>
+                <a:effectLst/>
+                <a:latin typeface="Consolas" panose="020B0609020204030204" pitchFamily="49" charset="0"/>
+              </a:rPr>
+              <a:t>(</a:t>
+            </a:r>
+            <a:r>
+              <a:rPr lang="en-US" altLang="zh-TW" sz="2800" b="0" dirty="0">
+                <a:solidFill>
+                  <a:srgbClr val="CE9178"/>
+                </a:solidFill>
+                <a:effectLst/>
+                <a:latin typeface="Consolas" panose="020B0609020204030204" pitchFamily="49" charset="0"/>
+              </a:rPr>
+              <a:t>"</a:t>
+            </a:r>
+            <a:r>
+              <a:rPr lang="en-US" altLang="zh-TW" sz="2800" b="0" dirty="0">
+                <a:solidFill>
+                  <a:srgbClr val="D7BA7D"/>
+                </a:solidFill>
+                <a:effectLst/>
+                <a:latin typeface="Consolas" panose="020B0609020204030204" pitchFamily="49" charset="0"/>
+              </a:rPr>
+              <a:t>\n</a:t>
+            </a:r>
+            <a:r>
+              <a:rPr lang="zh-TW" altLang="en-US" sz="2800" b="0" dirty="0">
+                <a:solidFill>
+                  <a:srgbClr val="CE9178"/>
+                </a:solidFill>
+                <a:effectLst/>
+                <a:latin typeface="Consolas" panose="020B0609020204030204" pitchFamily="49" charset="0"/>
+              </a:rPr>
+              <a:t>請輸入有效的選項（</a:t>
+            </a:r>
+            <a:r>
+              <a:rPr lang="en-US" altLang="zh-TW" sz="2800" b="0" dirty="0">
+                <a:solidFill>
+                  <a:srgbClr val="CE9178"/>
+                </a:solidFill>
+                <a:effectLst/>
+                <a:latin typeface="Consolas" panose="020B0609020204030204" pitchFamily="49" charset="0"/>
+              </a:rPr>
+              <a:t>1 </a:t>
+            </a:r>
+            <a:r>
+              <a:rPr lang="zh-TW" altLang="en-US" sz="2800" b="0" dirty="0">
+                <a:solidFill>
+                  <a:srgbClr val="CE9178"/>
+                </a:solidFill>
+                <a:effectLst/>
+                <a:latin typeface="Consolas" panose="020B0609020204030204" pitchFamily="49" charset="0"/>
+              </a:rPr>
+              <a:t>或 </a:t>
+            </a:r>
+            <a:r>
+              <a:rPr lang="en-US" altLang="zh-TW" sz="2800" b="0" dirty="0">
+                <a:solidFill>
+                  <a:srgbClr val="CE9178"/>
+                </a:solidFill>
+                <a:effectLst/>
+                <a:latin typeface="Consolas" panose="020B0609020204030204" pitchFamily="49" charset="0"/>
+              </a:rPr>
+              <a:t>2</a:t>
+            </a:r>
+            <a:r>
+              <a:rPr lang="zh-TW" altLang="en-US" sz="2800" b="0" dirty="0">
+                <a:solidFill>
+                  <a:srgbClr val="CE9178"/>
+                </a:solidFill>
+                <a:effectLst/>
+                <a:latin typeface="Consolas" panose="020B0609020204030204" pitchFamily="49" charset="0"/>
+              </a:rPr>
+              <a:t>）！</a:t>
+            </a:r>
+            <a:r>
+              <a:rPr lang="en-US" altLang="zh-TW" sz="2800" b="0" dirty="0">
+                <a:solidFill>
+                  <a:srgbClr val="CE9178"/>
+                </a:solidFill>
+                <a:effectLst/>
+                <a:latin typeface="Consolas" panose="020B0609020204030204" pitchFamily="49" charset="0"/>
+              </a:rPr>
+              <a:t>"</a:t>
+            </a:r>
+            <a:r>
+              <a:rPr lang="en-US" altLang="zh-TW" sz="2800" b="0" dirty="0">
+                <a:solidFill>
+                  <a:srgbClr val="CCCCCC"/>
+                </a:solidFill>
+                <a:effectLst/>
+                <a:latin typeface="Consolas" panose="020B0609020204030204" pitchFamily="49" charset="0"/>
+              </a:rPr>
+              <a:t>)</a:t>
+            </a:r>
+          </a:p>
+          <a:p>
+            <a:r>
+              <a:rPr lang="en-US" altLang="zh-TW" sz="2800" b="0" dirty="0">
+                <a:solidFill>
+                  <a:srgbClr val="CCCCCC"/>
+                </a:solidFill>
+                <a:effectLst/>
+                <a:latin typeface="Consolas" panose="020B0609020204030204" pitchFamily="49" charset="0"/>
+              </a:rPr>
+              <a:t>            </a:t>
+            </a:r>
+            <a:r>
+              <a:rPr lang="en-US" altLang="zh-TW" sz="2800" b="0" dirty="0" err="1">
+                <a:solidFill>
+                  <a:srgbClr val="4EC9B0"/>
+                </a:solidFill>
+                <a:effectLst/>
+                <a:latin typeface="Consolas" panose="020B0609020204030204" pitchFamily="49" charset="0"/>
+              </a:rPr>
+              <a:t>time</a:t>
+            </a:r>
+            <a:r>
+              <a:rPr lang="en-US" altLang="zh-TW" sz="2800" b="0" dirty="0" err="1">
+                <a:solidFill>
+                  <a:srgbClr val="CCCCCC"/>
+                </a:solidFill>
+                <a:effectLst/>
+                <a:latin typeface="Consolas" panose="020B0609020204030204" pitchFamily="49" charset="0"/>
+              </a:rPr>
+              <a:t>.</a:t>
+            </a:r>
+            <a:r>
+              <a:rPr lang="en-US" altLang="zh-TW" sz="2800" b="0" dirty="0" err="1">
+                <a:solidFill>
+                  <a:srgbClr val="DCDCAA"/>
+                </a:solidFill>
+                <a:effectLst/>
+                <a:latin typeface="Consolas" panose="020B0609020204030204" pitchFamily="49" charset="0"/>
+              </a:rPr>
+              <a:t>sleep</a:t>
+            </a:r>
+            <a:r>
+              <a:rPr lang="en-US" altLang="zh-TW" sz="2800" b="0" dirty="0">
+                <a:solidFill>
+                  <a:srgbClr val="CCCCCC"/>
+                </a:solidFill>
+                <a:effectLst/>
+                <a:latin typeface="Consolas" panose="020B0609020204030204" pitchFamily="49" charset="0"/>
+              </a:rPr>
+              <a:t>(</a:t>
+            </a:r>
+            <a:r>
+              <a:rPr lang="en-US" altLang="zh-TW" sz="2800" b="0" dirty="0">
+                <a:solidFill>
+                  <a:srgbClr val="B5CEA8"/>
+                </a:solidFill>
+                <a:effectLst/>
+                <a:latin typeface="Consolas" panose="020B0609020204030204" pitchFamily="49" charset="0"/>
+              </a:rPr>
+              <a:t>1</a:t>
+            </a:r>
+            <a:r>
+              <a:rPr lang="en-US" altLang="zh-TW" sz="2800" b="0" dirty="0">
+                <a:solidFill>
+                  <a:srgbClr val="CCCCCC"/>
+                </a:solidFill>
+                <a:effectLst/>
+                <a:latin typeface="Consolas" panose="020B0609020204030204" pitchFamily="49" charset="0"/>
+              </a:rPr>
+              <a:t>)</a:t>
+            </a:r>
+          </a:p>
+          <a:p>
+            <a:endParaRPr lang="zh-TW" altLang="en-US" dirty="0"/>
           </a:p>
         </p:txBody>
       </p:sp>
-      <p:pic>
-        <p:nvPicPr>
-          <p:cNvPr id="7" name="圖片 6">
-            <a:extLst>
-              <a:ext uri="{FF2B5EF4-FFF2-40B4-BE49-F238E27FC236}">
-                <a16:creationId xmlns:a16="http://schemas.microsoft.com/office/drawing/2014/main" id="{1BF5DD14-0560-4E4C-BE1F-F260F398C867}"/>
-              </a:ext>
-            </a:extLst>
-          </p:cNvPr>
-          <p:cNvPicPr>
-            <a:picLocks noChangeAspect="1"/>
-          </p:cNvPicPr>
-          <p:nvPr/>
-        </p:nvPicPr>
-        <p:blipFill>
-          <a:blip r:embed="rId2"/>
-          <a:stretch>
-            <a:fillRect/>
-          </a:stretch>
-        </p:blipFill>
-        <p:spPr>
-          <a:xfrm>
-            <a:off x="4918229" y="3096780"/>
-            <a:ext cx="6643366" cy="3471431"/>
-          </a:xfrm>
-          <a:prstGeom prst="rect">
-            <a:avLst/>
-          </a:prstGeom>
-        </p:spPr>
-      </p:pic>
     </p:spTree>
     <p:extLst>
       <p:ext uri="{BB962C8B-B14F-4D97-AF65-F5344CB8AC3E}">
-        <p14:creationId xmlns:p14="http://schemas.microsoft.com/office/powerpoint/2010/main" val="3370698663"/>
+        <p14:creationId xmlns:p14="http://schemas.microsoft.com/office/powerpoint/2010/main" val="470148690"/>
       </p:ext>
     </p:extLst>
   </p:cSld>
